--- a/docx/Go nut’s.pptx
+++ b/docx/Go nut’s.pptx
@@ -7,6 +7,14 @@
   <p:sldIdLst>
     <p:sldId id="256" r:id="rId2"/>
     <p:sldId id="257" r:id="rId3"/>
+    <p:sldId id="258" r:id="rId4"/>
+    <p:sldId id="259" r:id="rId5"/>
+    <p:sldId id="260" r:id="rId6"/>
+    <p:sldId id="261" r:id="rId7"/>
+    <p:sldId id="262" r:id="rId8"/>
+    <p:sldId id="263" r:id="rId9"/>
+    <p:sldId id="264" r:id="rId10"/>
+    <p:sldId id="265" r:id="rId11"/>
   </p:sldIdLst>
   <p:sldSz cx="12192000" cy="6858000"/>
   <p:notesSz cx="6858000" cy="9144000"/>
@@ -105,6 +113,11 @@
       </a:defRPr>
     </a:lvl9pPr>
   </p:defaultTextStyle>
+  <p:extLst>
+    <p:ext uri="{EFAFB233-063F-42B5-8137-9DF3F51BA10A}">
+      <p15:sldGuideLst xmlns:p15="http://schemas.microsoft.com/office/powerpoint/2012/main"/>
+    </p:ext>
+  </p:extLst>
 </p:presentation>
 </file>
 
@@ -3372,7 +3385,18 @@
           <a:bodyPr/>
           <a:lstStyle/>
           <a:p>
-            <a:endParaRPr lang="ko-KR" altLang="en-US"/>
+            <a:r>
+              <a:rPr lang="ko-KR" altLang="en-US" dirty="0"/>
+              <a:t>협동을 통해 잃어버린 견과류를 되찾는</a:t>
+            </a:r>
+            <a:r>
+              <a:rPr lang="en-US" altLang="ko-KR" dirty="0"/>
+              <a:t>, </a:t>
+            </a:r>
+            <a:r>
+              <a:rPr lang="ko-KR" altLang="en-US" dirty="0"/>
+              <a:t>두 다람쥐의 우주 모험</a:t>
+            </a:r>
           </a:p>
         </p:txBody>
       </p:sp>
@@ -3389,7 +3413,7 @@
 </p:sld>
 </file>
 
-<file path=ppt/slides/slide2.xml><?xml version="1.0" encoding="utf-8"?>
+<file path=ppt/slides/slide10.xml><?xml version="1.0" encoding="utf-8"?>
 <p:sld xmlns:a="http://schemas.openxmlformats.org/drawingml/2006/main" xmlns:r="http://schemas.openxmlformats.org/officeDocument/2006/relationships" xmlns:p="http://schemas.openxmlformats.org/presentationml/2006/main">
   <p:cSld>
     <p:spTree>
@@ -3411,7 +3435,7 @@
           <p:cNvPr id="2" name="제목 1">
             <a:extLst>
               <a:ext uri="{FF2B5EF4-FFF2-40B4-BE49-F238E27FC236}">
-                <a16:creationId xmlns:a16="http://schemas.microsoft.com/office/drawing/2014/main" id="{92480242-0524-FBAC-4C09-C3F3F80532DB}"/>
+                <a16:creationId xmlns:a16="http://schemas.microsoft.com/office/drawing/2014/main" id="{2494322B-0CF3-F12F-910F-4D68E91338F8}"/>
               </a:ext>
             </a:extLst>
           </p:cNvPr>
@@ -3431,12 +3455,1488 @@
           </a:p>
         </p:txBody>
       </p:sp>
+      <p:pic>
+        <p:nvPicPr>
+          <p:cNvPr id="4" name="온라인 미디어 3" title="Split Fiction - Funny Self-Destruct Phone Captcha Mini-Game">
+            <a:hlinkClick r:id="" action="ppaction://media"/>
+            <a:extLst>
+              <a:ext uri="{FF2B5EF4-FFF2-40B4-BE49-F238E27FC236}">
+                <a16:creationId xmlns:a16="http://schemas.microsoft.com/office/drawing/2014/main" id="{5CFDEEEF-2A48-8E7A-8722-C0F537916224}"/>
+              </a:ext>
+            </a:extLst>
+          </p:cNvPr>
+          <p:cNvPicPr>
+            <a:picLocks noGrp="1" noRot="1" noChangeAspect="1"/>
+          </p:cNvPicPr>
+          <p:nvPr>
+            <p:ph idx="1"/>
+            <a:videoFile r:link="rId1"/>
+          </p:nvPr>
+        </p:nvPicPr>
+        <p:blipFill>
+          <a:blip r:embed="rId3"/>
+          <a:stretch>
+            <a:fillRect/>
+          </a:stretch>
+        </p:blipFill>
+        <p:spPr>
+          <a:xfrm>
+            <a:off x="2244725" y="1825625"/>
+            <a:ext cx="7700963" cy="4351338"/>
+          </a:xfrm>
+          <a:prstGeom prst="rect">
+            <a:avLst/>
+          </a:prstGeom>
+        </p:spPr>
+      </p:pic>
+    </p:spTree>
+    <p:extLst>
+      <p:ext uri="{BB962C8B-B14F-4D97-AF65-F5344CB8AC3E}">
+        <p14:creationId xmlns:p14="http://schemas.microsoft.com/office/powerpoint/2010/main" val="84006393"/>
+      </p:ext>
+    </p:extLst>
+  </p:cSld>
+  <p:clrMapOvr>
+    <a:masterClrMapping/>
+  </p:clrMapOvr>
+  <p:timing>
+    <p:tnLst>
+      <p:par>
+        <p:cTn id="1" dur="indefinite" restart="never" nodeType="tmRoot">
+          <p:childTnLst>
+            <p:seq concurrent="1" nextAc="seek">
+              <p:cTn id="2" dur="indefinite" nodeType="mainSeq">
+                <p:childTnLst>
+                  <p:par>
+                    <p:cTn id="3" fill="hold">
+                      <p:stCondLst>
+                        <p:cond delay="indefinite"/>
+                      </p:stCondLst>
+                      <p:childTnLst>
+                        <p:par>
+                          <p:cTn id="4" fill="hold">
+                            <p:stCondLst>
+                              <p:cond delay="0"/>
+                            </p:stCondLst>
+                            <p:childTnLst>
+                              <p:par>
+                                <p:cTn id="5" presetID="1" presetClass="mediacall" presetSubtype="0" fill="hold" nodeType="clickEffect">
+                                  <p:stCondLst>
+                                    <p:cond delay="0"/>
+                                  </p:stCondLst>
+                                  <p:childTnLst>
+                                    <p:cmd type="call" cmd="playFrom(0.0)">
+                                      <p:cBhvr>
+                                        <p:cTn id="6" dur="1" fill="hold"/>
+                                        <p:tgtEl>
+                                          <p:spTgt spid="4"/>
+                                        </p:tgtEl>
+                                      </p:cBhvr>
+                                    </p:cmd>
+                                  </p:childTnLst>
+                                </p:cTn>
+                              </p:par>
+                            </p:childTnLst>
+                          </p:cTn>
+                        </p:par>
+                      </p:childTnLst>
+                    </p:cTn>
+                  </p:par>
+                </p:childTnLst>
+              </p:cTn>
+              <p:prevCondLst>
+                <p:cond evt="onPrev" delay="0">
+                  <p:tgtEl>
+                    <p:sldTgt/>
+                  </p:tgtEl>
+                </p:cond>
+              </p:prevCondLst>
+              <p:nextCondLst>
+                <p:cond evt="onNext" delay="0">
+                  <p:tgtEl>
+                    <p:sldTgt/>
+                  </p:tgtEl>
+                </p:cond>
+              </p:nextCondLst>
+            </p:seq>
+            <p:video>
+              <p:cMediaNode vol="80000">
+                <p:cTn id="7" fill="hold" display="0">
+                  <p:stCondLst>
+                    <p:cond delay="indefinite"/>
+                  </p:stCondLst>
+                </p:cTn>
+                <p:tgtEl>
+                  <p:spTgt spid="4"/>
+                </p:tgtEl>
+              </p:cMediaNode>
+            </p:video>
+            <p:seq concurrent="1" nextAc="seek">
+              <p:cTn id="8" restart="whenNotActive" fill="hold" evtFilter="cancelBubble" nodeType="interactiveSeq">
+                <p:stCondLst>
+                  <p:cond evt="onClick" delay="0">
+                    <p:tgtEl>
+                      <p:spTgt spid="4"/>
+                    </p:tgtEl>
+                  </p:cond>
+                </p:stCondLst>
+                <p:endSync evt="end" delay="0">
+                  <p:rtn val="all"/>
+                </p:endSync>
+                <p:childTnLst>
+                  <p:par>
+                    <p:cTn id="9" fill="hold">
+                      <p:stCondLst>
+                        <p:cond delay="0"/>
+                      </p:stCondLst>
+                      <p:childTnLst>
+                        <p:par>
+                          <p:cTn id="10" fill="hold">
+                            <p:stCondLst>
+                              <p:cond delay="0"/>
+                            </p:stCondLst>
+                            <p:childTnLst>
+                              <p:par>
+                                <p:cTn id="11" presetID="2" presetClass="mediacall" presetSubtype="0" fill="hold" nodeType="clickEffect">
+                                  <p:stCondLst>
+                                    <p:cond delay="0"/>
+                                  </p:stCondLst>
+                                  <p:childTnLst>
+                                    <p:cmd type="call" cmd="togglePause">
+                                      <p:cBhvr>
+                                        <p:cTn id="12" dur="1" fill="hold"/>
+                                        <p:tgtEl>
+                                          <p:spTgt spid="4"/>
+                                        </p:tgtEl>
+                                      </p:cBhvr>
+                                    </p:cmd>
+                                  </p:childTnLst>
+                                </p:cTn>
+                              </p:par>
+                            </p:childTnLst>
+                          </p:cTn>
+                        </p:par>
+                      </p:childTnLst>
+                    </p:cTn>
+                  </p:par>
+                </p:childTnLst>
+              </p:cTn>
+              <p:nextCondLst>
+                <p:cond evt="onClick" delay="0">
+                  <p:tgtEl>
+                    <p:spTgt spid="4"/>
+                  </p:tgtEl>
+                </p:cond>
+              </p:nextCondLst>
+            </p:seq>
+          </p:childTnLst>
+        </p:cTn>
+      </p:par>
+    </p:tnLst>
+  </p:timing>
+</p:sld>
+</file>
+
+<file path=ppt/slides/slide2.xml><?xml version="1.0" encoding="utf-8"?>
+<p:sld xmlns:a="http://schemas.openxmlformats.org/drawingml/2006/main" xmlns:r="http://schemas.openxmlformats.org/officeDocument/2006/relationships" xmlns:p="http://schemas.openxmlformats.org/presentationml/2006/main">
+  <p:cSld>
+    <p:bg>
+      <p:bgPr>
+        <a:solidFill>
+          <a:schemeClr val="bg1"/>
+        </a:solidFill>
+        <a:effectLst/>
+      </p:bgPr>
+    </p:bg>
+    <p:spTree>
+      <p:nvGrpSpPr>
+        <p:cNvPr id="1" name=""/>
+        <p:cNvGrpSpPr/>
+        <p:nvPr/>
+      </p:nvGrpSpPr>
+      <p:grpSpPr>
+        <a:xfrm>
+          <a:off x="0" y="0"/>
+          <a:ext cx="0" cy="0"/>
+          <a:chOff x="0" y="0"/>
+          <a:chExt cx="0" cy="0"/>
+        </a:xfrm>
+      </p:grpSpPr>
       <p:sp>
         <p:nvSpPr>
-          <p:cNvPr id="3" name="내용 개체 틀 2">
-            <a:extLst>
-              <a:ext uri="{FF2B5EF4-FFF2-40B4-BE49-F238E27FC236}">
-                <a16:creationId xmlns:a16="http://schemas.microsoft.com/office/drawing/2014/main" id="{E8C923DB-8AB9-F072-D555-813C1A942AD5}"/>
+          <p:cNvPr id="10" name="Rectangle 9">
+            <a:extLst>
+              <a:ext uri="{FF2B5EF4-FFF2-40B4-BE49-F238E27FC236}">
+                <a16:creationId xmlns:a16="http://schemas.microsoft.com/office/drawing/2014/main" id="{F3060C83-F051-4F0E-ABAD-AA0DFC48B218}"/>
+              </a:ext>
+              <a:ext uri="{C183D7F6-B498-43B3-948B-1728B52AA6E4}">
+                <adec:decorative xmlns:adec="http://schemas.microsoft.com/office/drawing/2017/decorative" val="1"/>
+              </a:ext>
+            </a:extLst>
+          </p:cNvPr>
+          <p:cNvSpPr>
+            <a:spLocks noGrp="1" noRot="1" noChangeAspect="1" noMove="1" noResize="1" noEditPoints="1" noAdjustHandles="1" noChangeArrowheads="1" noChangeShapeType="1" noTextEdit="1"/>
+          </p:cNvSpPr>
+          <p:nvPr>
+            <p:extLst>
+              <p:ext uri="{386F3935-93C4-4BCD-93E2-E3B085C9AB24}">
+                <p16:designElem xmlns:p16="http://schemas.microsoft.com/office/powerpoint/2015/main" val="1"/>
+              </p:ext>
+            </p:extLst>
+          </p:nvPr>
+        </p:nvSpPr>
+        <p:spPr>
+          <a:xfrm>
+            <a:off x="0" y="0"/>
+            <a:ext cx="12192000" cy="6858000"/>
+          </a:xfrm>
+          <a:prstGeom prst="rect">
+            <a:avLst/>
+          </a:prstGeom>
+          <a:solidFill>
+            <a:schemeClr val="bg1"/>
+          </a:solidFill>
+          <a:ln>
+            <a:noFill/>
+          </a:ln>
+        </p:spPr>
+        <p:style>
+          <a:lnRef idx="2">
+            <a:schemeClr val="accent1">
+              <a:shade val="50000"/>
+            </a:schemeClr>
+          </a:lnRef>
+          <a:fillRef idx="1">
+            <a:schemeClr val="accent1"/>
+          </a:fillRef>
+          <a:effectRef idx="0">
+            <a:schemeClr val="accent1"/>
+          </a:effectRef>
+          <a:fontRef idx="minor">
+            <a:schemeClr val="lt1"/>
+          </a:fontRef>
+        </p:style>
+        <p:txBody>
+          <a:bodyPr rtlCol="0" anchor="ctr"/>
+          <a:lstStyle/>
+          <a:p>
+            <a:pPr algn="ctr"/>
+            <a:endParaRPr lang="en-US" dirty="0"/>
+          </a:p>
+        </p:txBody>
+      </p:sp>
+      <p:sp>
+        <p:nvSpPr>
+          <p:cNvPr id="12" name="Freeform: Shape 11">
+            <a:extLst>
+              <a:ext uri="{FF2B5EF4-FFF2-40B4-BE49-F238E27FC236}">
+                <a16:creationId xmlns:a16="http://schemas.microsoft.com/office/drawing/2014/main" id="{83C98ABE-055B-441F-B07E-44F97F083C39}"/>
+              </a:ext>
+              <a:ext uri="{C183D7F6-B498-43B3-948B-1728B52AA6E4}">
+                <adec:decorative xmlns:adec="http://schemas.microsoft.com/office/drawing/2017/decorative" val="1"/>
+              </a:ext>
+            </a:extLst>
+          </p:cNvPr>
+          <p:cNvSpPr>
+            <a:spLocks noGrp="1" noRot="1" noChangeAspect="1" noMove="1" noResize="1" noEditPoints="1" noAdjustHandles="1" noChangeArrowheads="1" noChangeShapeType="1" noTextEdit="1"/>
+          </p:cNvSpPr>
+          <p:nvPr>
+            <p:extLst>
+              <p:ext uri="{386F3935-93C4-4BCD-93E2-E3B085C9AB24}">
+                <p16:designElem xmlns:p16="http://schemas.microsoft.com/office/powerpoint/2015/main" val="1"/>
+              </p:ext>
+            </p:extLst>
+          </p:nvPr>
+        </p:nvSpPr>
+        <p:spPr>
+          <a:xfrm rot="18900000" flipH="1">
+            <a:off x="-376156" y="-253670"/>
+            <a:ext cx="1827638" cy="1376989"/>
+          </a:xfrm>
+          <a:custGeom>
+            <a:avLst/>
+            <a:gdLst>
+              <a:gd name="connsiteX0" fmla="*/ 0 w 1827638"/>
+              <a:gd name="connsiteY0" fmla="*/ 987379 h 1376989"/>
+              <a:gd name="connsiteX1" fmla="*/ 987379 w 1827638"/>
+              <a:gd name="connsiteY1" fmla="*/ 0 h 1376989"/>
+              <a:gd name="connsiteX2" fmla="*/ 1827638 w 1827638"/>
+              <a:gd name="connsiteY2" fmla="*/ 840260 h 1376989"/>
+              <a:gd name="connsiteX3" fmla="*/ 1827638 w 1827638"/>
+              <a:gd name="connsiteY3" fmla="*/ 1376989 h 1376989"/>
+              <a:gd name="connsiteX4" fmla="*/ 0 w 1827638"/>
+              <a:gd name="connsiteY4" fmla="*/ 1376989 h 1376989"/>
+            </a:gdLst>
+            <a:ahLst/>
+            <a:cxnLst>
+              <a:cxn ang="0">
+                <a:pos x="connsiteX0" y="connsiteY0"/>
+              </a:cxn>
+              <a:cxn ang="0">
+                <a:pos x="connsiteX1" y="connsiteY1"/>
+              </a:cxn>
+              <a:cxn ang="0">
+                <a:pos x="connsiteX2" y="connsiteY2"/>
+              </a:cxn>
+              <a:cxn ang="0">
+                <a:pos x="connsiteX3" y="connsiteY3"/>
+              </a:cxn>
+              <a:cxn ang="0">
+                <a:pos x="connsiteX4" y="connsiteY4"/>
+              </a:cxn>
+            </a:cxnLst>
+            <a:rect l="l" t="t" r="r" b="b"/>
+            <a:pathLst>
+              <a:path w="1827638" h="1376989">
+                <a:moveTo>
+                  <a:pt x="0" y="987379"/>
+                </a:moveTo>
+                <a:lnTo>
+                  <a:pt x="987379" y="0"/>
+                </a:lnTo>
+                <a:lnTo>
+                  <a:pt x="1827638" y="840260"/>
+                </a:lnTo>
+                <a:lnTo>
+                  <a:pt x="1827638" y="1376989"/>
+                </a:lnTo>
+                <a:lnTo>
+                  <a:pt x="0" y="1376989"/>
+                </a:lnTo>
+                <a:close/>
+              </a:path>
+            </a:pathLst>
+          </a:custGeom>
+          <a:solidFill>
+            <a:schemeClr val="accent1">
+              <a:alpha val="30000"/>
+            </a:schemeClr>
+          </a:solidFill>
+          <a:ln>
+            <a:noFill/>
+          </a:ln>
+        </p:spPr>
+        <p:style>
+          <a:lnRef idx="2">
+            <a:schemeClr val="accent1">
+              <a:shade val="50000"/>
+            </a:schemeClr>
+          </a:lnRef>
+          <a:fillRef idx="1">
+            <a:schemeClr val="accent1"/>
+          </a:fillRef>
+          <a:effectRef idx="0">
+            <a:schemeClr val="accent1"/>
+          </a:effectRef>
+          <a:fontRef idx="minor">
+            <a:schemeClr val="lt1"/>
+          </a:fontRef>
+        </p:style>
+        <p:txBody>
+          <a:bodyPr rtlCol="0" anchor="ctr"/>
+          <a:lstStyle/>
+          <a:p>
+            <a:pPr algn="ctr"/>
+            <a:endParaRPr lang="en-US" dirty="0"/>
+          </a:p>
+        </p:txBody>
+      </p:sp>
+      <p:sp>
+        <p:nvSpPr>
+          <p:cNvPr id="14" name="Rectangle 13">
+            <a:extLst>
+              <a:ext uri="{FF2B5EF4-FFF2-40B4-BE49-F238E27FC236}">
+                <a16:creationId xmlns:a16="http://schemas.microsoft.com/office/drawing/2014/main" id="{29FDB030-9B49-4CED-8CCD-4D99382388AC}"/>
+              </a:ext>
+              <a:ext uri="{C183D7F6-B498-43B3-948B-1728B52AA6E4}">
+                <adec:decorative xmlns:adec="http://schemas.microsoft.com/office/drawing/2017/decorative" val="1"/>
+              </a:ext>
+            </a:extLst>
+          </p:cNvPr>
+          <p:cNvSpPr>
+            <a:spLocks noGrp="1" noRot="1" noChangeAspect="1" noMove="1" noResize="1" noEditPoints="1" noAdjustHandles="1" noChangeArrowheads="1" noChangeShapeType="1" noTextEdit="1"/>
+          </p:cNvSpPr>
+          <p:nvPr>
+            <p:extLst>
+              <p:ext uri="{386F3935-93C4-4BCD-93E2-E3B085C9AB24}">
+                <p16:designElem xmlns:p16="http://schemas.microsoft.com/office/powerpoint/2015/main" val="1"/>
+              </p:ext>
+            </p:extLst>
+          </p:nvPr>
+        </p:nvSpPr>
+        <p:spPr>
+          <a:xfrm rot="18900000" flipH="1">
+            <a:off x="891641" y="422146"/>
+            <a:ext cx="645368" cy="645368"/>
+          </a:xfrm>
+          <a:prstGeom prst="rect">
+            <a:avLst/>
+          </a:prstGeom>
+          <a:solidFill>
+            <a:schemeClr val="accent1">
+              <a:alpha val="30000"/>
+            </a:schemeClr>
+          </a:solidFill>
+          <a:ln>
+            <a:noFill/>
+          </a:ln>
+        </p:spPr>
+        <p:style>
+          <a:lnRef idx="2">
+            <a:schemeClr val="accent1">
+              <a:shade val="50000"/>
+            </a:schemeClr>
+          </a:lnRef>
+          <a:fillRef idx="1">
+            <a:schemeClr val="accent1"/>
+          </a:fillRef>
+          <a:effectRef idx="0">
+            <a:schemeClr val="accent1"/>
+          </a:effectRef>
+          <a:fontRef idx="minor">
+            <a:schemeClr val="lt1"/>
+          </a:fontRef>
+        </p:style>
+        <p:txBody>
+          <a:bodyPr rtlCol="0" anchor="ctr"/>
+          <a:lstStyle/>
+          <a:p>
+            <a:pPr algn="ctr"/>
+            <a:endParaRPr lang="en-US"/>
+          </a:p>
+        </p:txBody>
+      </p:sp>
+      <p:sp>
+        <p:nvSpPr>
+          <p:cNvPr id="16" name="Rectangle 15">
+            <a:extLst>
+              <a:ext uri="{FF2B5EF4-FFF2-40B4-BE49-F238E27FC236}">
+                <a16:creationId xmlns:a16="http://schemas.microsoft.com/office/drawing/2014/main" id="{3783CA14-24A1-485C-8B30-D6A5D87987AD}"/>
+              </a:ext>
+              <a:ext uri="{C183D7F6-B498-43B3-948B-1728B52AA6E4}">
+                <adec:decorative xmlns:adec="http://schemas.microsoft.com/office/drawing/2017/decorative" val="1"/>
+              </a:ext>
+            </a:extLst>
+          </p:cNvPr>
+          <p:cNvSpPr>
+            <a:spLocks noGrp="1" noRot="1" noChangeAspect="1" noMove="1" noResize="1" noEditPoints="1" noAdjustHandles="1" noChangeArrowheads="1" noChangeShapeType="1" noTextEdit="1"/>
+          </p:cNvSpPr>
+          <p:nvPr>
+            <p:extLst>
+              <p:ext uri="{386F3935-93C4-4BCD-93E2-E3B085C9AB24}">
+                <p16:designElem xmlns:p16="http://schemas.microsoft.com/office/powerpoint/2015/main" val="1"/>
+              </p:ext>
+            </p:extLst>
+          </p:nvPr>
+        </p:nvSpPr>
+        <p:spPr>
+          <a:xfrm rot="18900000" flipH="1">
+            <a:off x="10043482" y="655140"/>
+            <a:ext cx="687472" cy="687472"/>
+          </a:xfrm>
+          <a:prstGeom prst="rect">
+            <a:avLst/>
+          </a:prstGeom>
+          <a:solidFill>
+            <a:schemeClr val="accent4">
+              <a:alpha val="30000"/>
+            </a:schemeClr>
+          </a:solidFill>
+          <a:ln>
+            <a:noFill/>
+          </a:ln>
+        </p:spPr>
+        <p:style>
+          <a:lnRef idx="2">
+            <a:schemeClr val="accent1">
+              <a:shade val="50000"/>
+            </a:schemeClr>
+          </a:lnRef>
+          <a:fillRef idx="1">
+            <a:schemeClr val="accent1"/>
+          </a:fillRef>
+          <a:effectRef idx="0">
+            <a:schemeClr val="accent1"/>
+          </a:effectRef>
+          <a:fontRef idx="minor">
+            <a:schemeClr val="lt1"/>
+          </a:fontRef>
+        </p:style>
+        <p:txBody>
+          <a:bodyPr rtlCol="0" anchor="ctr"/>
+          <a:lstStyle/>
+          <a:p>
+            <a:pPr algn="ctr"/>
+            <a:endParaRPr lang="en-US"/>
+          </a:p>
+        </p:txBody>
+      </p:sp>
+      <p:sp>
+        <p:nvSpPr>
+          <p:cNvPr id="18" name="Freeform: Shape 17">
+            <a:extLst>
+              <a:ext uri="{FF2B5EF4-FFF2-40B4-BE49-F238E27FC236}">
+                <a16:creationId xmlns:a16="http://schemas.microsoft.com/office/drawing/2014/main" id="{9A97C86A-04D6-40F7-AE84-31AB43E6A846}"/>
+              </a:ext>
+              <a:ext uri="{C183D7F6-B498-43B3-948B-1728B52AA6E4}">
+                <adec:decorative xmlns:adec="http://schemas.microsoft.com/office/drawing/2017/decorative" val="1"/>
+              </a:ext>
+            </a:extLst>
+          </p:cNvPr>
+          <p:cNvSpPr>
+            <a:spLocks noGrp="1" noRot="1" noChangeAspect="1" noMove="1" noResize="1" noEditPoints="1" noAdjustHandles="1" noChangeArrowheads="1" noChangeShapeType="1" noTextEdit="1"/>
+          </p:cNvSpPr>
+          <p:nvPr>
+            <p:extLst>
+              <p:ext uri="{386F3935-93C4-4BCD-93E2-E3B085C9AB24}">
+                <p16:designElem xmlns:p16="http://schemas.microsoft.com/office/powerpoint/2015/main" val="1"/>
+              </p:ext>
+            </p:extLst>
+          </p:nvPr>
+        </p:nvSpPr>
+        <p:spPr>
+          <a:xfrm rot="10800000" flipH="1">
+            <a:off x="9356643" y="0"/>
+            <a:ext cx="2835357" cy="1480837"/>
+          </a:xfrm>
+          <a:custGeom>
+            <a:avLst/>
+            <a:gdLst>
+              <a:gd name="connsiteX0" fmla="*/ 2835357 w 2835357"/>
+              <a:gd name="connsiteY0" fmla="*/ 1480837 h 1480837"/>
+              <a:gd name="connsiteX1" fmla="*/ 0 w 2835357"/>
+              <a:gd name="connsiteY1" fmla="*/ 1480837 h 1480837"/>
+              <a:gd name="connsiteX2" fmla="*/ 1552727 w 2835357"/>
+              <a:gd name="connsiteY2" fmla="*/ 0 h 1480837"/>
+              <a:gd name="connsiteX3" fmla="*/ 2835357 w 2835357"/>
+              <a:gd name="connsiteY3" fmla="*/ 1223245 h 1480837"/>
+            </a:gdLst>
+            <a:ahLst/>
+            <a:cxnLst>
+              <a:cxn ang="0">
+                <a:pos x="connsiteX0" y="connsiteY0"/>
+              </a:cxn>
+              <a:cxn ang="0">
+                <a:pos x="connsiteX1" y="connsiteY1"/>
+              </a:cxn>
+              <a:cxn ang="0">
+                <a:pos x="connsiteX2" y="connsiteY2"/>
+              </a:cxn>
+              <a:cxn ang="0">
+                <a:pos x="connsiteX3" y="connsiteY3"/>
+              </a:cxn>
+            </a:cxnLst>
+            <a:rect l="l" t="t" r="r" b="b"/>
+            <a:pathLst>
+              <a:path w="2835357" h="1480837">
+                <a:moveTo>
+                  <a:pt x="2835357" y="1480837"/>
+                </a:moveTo>
+                <a:lnTo>
+                  <a:pt x="0" y="1480837"/>
+                </a:lnTo>
+                <a:lnTo>
+                  <a:pt x="1552727" y="0"/>
+                </a:lnTo>
+                <a:lnTo>
+                  <a:pt x="2835357" y="1223245"/>
+                </a:lnTo>
+                <a:close/>
+              </a:path>
+            </a:pathLst>
+          </a:custGeom>
+          <a:solidFill>
+            <a:schemeClr val="accent4">
+              <a:alpha val="30000"/>
+            </a:schemeClr>
+          </a:solidFill>
+          <a:ln>
+            <a:noFill/>
+          </a:ln>
+        </p:spPr>
+        <p:style>
+          <a:lnRef idx="2">
+            <a:schemeClr val="accent1">
+              <a:shade val="50000"/>
+            </a:schemeClr>
+          </a:lnRef>
+          <a:fillRef idx="1">
+            <a:schemeClr val="accent1"/>
+          </a:fillRef>
+          <a:effectRef idx="0">
+            <a:schemeClr val="accent1"/>
+          </a:effectRef>
+          <a:fontRef idx="minor">
+            <a:schemeClr val="lt1"/>
+          </a:fontRef>
+        </p:style>
+        <p:txBody>
+          <a:bodyPr wrap="square" rtlCol="0" anchor="ctr">
+            <a:noAutofit/>
+          </a:bodyPr>
+          <a:lstStyle/>
+          <a:p>
+            <a:pPr algn="ctr"/>
+            <a:endParaRPr lang="en-US" dirty="0"/>
+          </a:p>
+        </p:txBody>
+      </p:sp>
+      <p:sp>
+        <p:nvSpPr>
+          <p:cNvPr id="20" name="Isosceles Triangle 19">
+            <a:extLst>
+              <a:ext uri="{FF2B5EF4-FFF2-40B4-BE49-F238E27FC236}">
+                <a16:creationId xmlns:a16="http://schemas.microsoft.com/office/drawing/2014/main" id="{FF9F2414-84E8-453E-B1F3-389FDE8192D9}"/>
+              </a:ext>
+              <a:ext uri="{C183D7F6-B498-43B3-948B-1728B52AA6E4}">
+                <adec:decorative xmlns:adec="http://schemas.microsoft.com/office/drawing/2017/decorative" val="1"/>
+              </a:ext>
+            </a:extLst>
+          </p:cNvPr>
+          <p:cNvSpPr>
+            <a:spLocks noGrp="1" noRot="1" noChangeAspect="1" noMove="1" noResize="1" noEditPoints="1" noAdjustHandles="1" noChangeArrowheads="1" noChangeShapeType="1" noTextEdit="1"/>
+          </p:cNvSpPr>
+          <p:nvPr>
+            <p:extLst>
+              <p:ext uri="{386F3935-93C4-4BCD-93E2-E3B085C9AB24}">
+                <p16:designElem xmlns:p16="http://schemas.microsoft.com/office/powerpoint/2015/main" val="1"/>
+              </p:ext>
+            </p:extLst>
+          </p:nvPr>
+        </p:nvSpPr>
+        <p:spPr>
+          <a:xfrm flipH="1">
+            <a:off x="7976344" y="6115501"/>
+            <a:ext cx="1494513" cy="742499"/>
+          </a:xfrm>
+          <a:prstGeom prst="triangle">
+            <a:avLst/>
+          </a:prstGeom>
+          <a:solidFill>
+            <a:schemeClr val="accent1">
+              <a:alpha val="30000"/>
+            </a:schemeClr>
+          </a:solidFill>
+          <a:ln>
+            <a:noFill/>
+          </a:ln>
+        </p:spPr>
+        <p:style>
+          <a:lnRef idx="2">
+            <a:schemeClr val="accent1">
+              <a:shade val="50000"/>
+            </a:schemeClr>
+          </a:lnRef>
+          <a:fillRef idx="1">
+            <a:schemeClr val="accent1"/>
+          </a:fillRef>
+          <a:effectRef idx="0">
+            <a:schemeClr val="accent1"/>
+          </a:effectRef>
+          <a:fontRef idx="minor">
+            <a:schemeClr val="lt1"/>
+          </a:fontRef>
+        </p:style>
+        <p:txBody>
+          <a:bodyPr rtlCol="0" anchor="ctr"/>
+          <a:lstStyle/>
+          <a:p>
+            <a:pPr algn="ctr"/>
+            <a:endParaRPr lang="en-US"/>
+          </a:p>
+        </p:txBody>
+      </p:sp>
+      <p:sp>
+        <p:nvSpPr>
+          <p:cNvPr id="22" name="Isosceles Triangle 21">
+            <a:extLst>
+              <a:ext uri="{FF2B5EF4-FFF2-40B4-BE49-F238E27FC236}">
+                <a16:creationId xmlns:a16="http://schemas.microsoft.com/office/drawing/2014/main" id="{3ECA69A1-7536-43AC-85EF-C7106179F5ED}"/>
+              </a:ext>
+              <a:ext uri="{C183D7F6-B498-43B3-948B-1728B52AA6E4}">
+                <adec:decorative xmlns:adec="http://schemas.microsoft.com/office/drawing/2017/decorative" val="1"/>
+              </a:ext>
+            </a:extLst>
+          </p:cNvPr>
+          <p:cNvSpPr>
+            <a:spLocks noGrp="1" noRot="1" noChangeAspect="1" noMove="1" noResize="1" noEditPoints="1" noAdjustHandles="1" noChangeArrowheads="1" noChangeShapeType="1" noTextEdit="1"/>
+          </p:cNvSpPr>
+          <p:nvPr>
+            <p:extLst>
+              <p:ext uri="{386F3935-93C4-4BCD-93E2-E3B085C9AB24}">
+                <p16:designElem xmlns:p16="http://schemas.microsoft.com/office/powerpoint/2015/main" val="1"/>
+              </p:ext>
+            </p:extLst>
+          </p:nvPr>
+        </p:nvSpPr>
+        <p:spPr>
+          <a:xfrm flipH="1">
+            <a:off x="7604080" y="6453143"/>
+            <a:ext cx="814903" cy="404857"/>
+          </a:xfrm>
+          <a:prstGeom prst="triangle">
+            <a:avLst/>
+          </a:prstGeom>
+          <a:solidFill>
+            <a:schemeClr val="accent1">
+              <a:alpha val="30000"/>
+            </a:schemeClr>
+          </a:solidFill>
+          <a:ln>
+            <a:noFill/>
+          </a:ln>
+        </p:spPr>
+        <p:style>
+          <a:lnRef idx="2">
+            <a:schemeClr val="accent1">
+              <a:shade val="50000"/>
+            </a:schemeClr>
+          </a:lnRef>
+          <a:fillRef idx="1">
+            <a:schemeClr val="accent1"/>
+          </a:fillRef>
+          <a:effectRef idx="0">
+            <a:schemeClr val="accent1"/>
+          </a:effectRef>
+          <a:fontRef idx="minor">
+            <a:schemeClr val="lt1"/>
+          </a:fontRef>
+        </p:style>
+        <p:txBody>
+          <a:bodyPr rtlCol="0" anchor="ctr"/>
+          <a:lstStyle/>
+          <a:p>
+            <a:pPr algn="ctr"/>
+            <a:endParaRPr lang="en-US"/>
+          </a:p>
+        </p:txBody>
+      </p:sp>
+      <p:graphicFrame>
+        <p:nvGraphicFramePr>
+          <p:cNvPr id="5" name="내용 개체 틀 4">
+            <a:extLst>
+              <a:ext uri="{FF2B5EF4-FFF2-40B4-BE49-F238E27FC236}">
+                <a16:creationId xmlns:a16="http://schemas.microsoft.com/office/drawing/2014/main" id="{B2D45657-FEF2-CDF8-FB39-C5B7D40B24B7}"/>
+              </a:ext>
+            </a:extLst>
+          </p:cNvPr>
+          <p:cNvGraphicFramePr>
+            <a:graphicFrameLocks noGrp="1"/>
+          </p:cNvGraphicFramePr>
+          <p:nvPr>
+            <p:ph idx="1"/>
+            <p:extLst>
+              <p:ext uri="{D42A27DB-BD31-4B8C-83A1-F6EECF244321}">
+                <p14:modId xmlns:p14="http://schemas.microsoft.com/office/powerpoint/2010/main" val="219425142"/>
+              </p:ext>
+            </p:extLst>
+          </p:nvPr>
+        </p:nvGraphicFramePr>
+        <p:xfrm>
+          <a:off x="736704" y="643467"/>
+          <a:ext cx="10718592" cy="5571069"/>
+        </p:xfrm>
+        <a:graphic>
+          <a:graphicData uri="http://schemas.openxmlformats.org/drawingml/2006/table">
+            <a:tbl>
+              <a:tblPr/>
+              <a:tblGrid>
+                <a:gridCol w="3471166">
+                  <a:extLst>
+                    <a:ext uri="{9D8B030D-6E8A-4147-A177-3AD203B41FA5}">
+                      <a16:colId xmlns:a16="http://schemas.microsoft.com/office/drawing/2014/main" val="1621359602"/>
+                    </a:ext>
+                  </a:extLst>
+                </a:gridCol>
+                <a:gridCol w="7247426">
+                  <a:extLst>
+                    <a:ext uri="{9D8B030D-6E8A-4147-A177-3AD203B41FA5}">
+                      <a16:colId xmlns:a16="http://schemas.microsoft.com/office/drawing/2014/main" val="1965170597"/>
+                    </a:ext>
+                  </a:extLst>
+                </a:gridCol>
+              </a:tblGrid>
+              <a:tr h="554586">
+                <a:tc>
+                  <a:txBody>
+                    <a:bodyPr/>
+                    <a:lstStyle/>
+                    <a:p>
+                      <a:pPr>
+                        <a:buNone/>
+                      </a:pPr>
+                      <a:r>
+                        <a:rPr lang="ko-KR" altLang="en-US" sz="2500"/>
+                        <a:t>항목</a:t>
+                      </a:r>
+                    </a:p>
+                  </a:txBody>
+                  <a:tcPr marL="126042" marR="126042" marT="63021" marB="63021" anchor="ctr">
+                    <a:lnL>
+                      <a:noFill/>
+                    </a:lnL>
+                    <a:lnR>
+                      <a:noFill/>
+                    </a:lnR>
+                    <a:lnT>
+                      <a:noFill/>
+                    </a:lnT>
+                    <a:lnB>
+                      <a:noFill/>
+                    </a:lnB>
+                    <a:noFill/>
+                  </a:tcPr>
+                </a:tc>
+                <a:tc>
+                  <a:txBody>
+                    <a:bodyPr/>
+                    <a:lstStyle/>
+                    <a:p>
+                      <a:pPr>
+                        <a:buNone/>
+                      </a:pPr>
+                      <a:r>
+                        <a:rPr lang="ko-KR" altLang="en-US" sz="2500"/>
+                        <a:t>내용</a:t>
+                      </a:r>
+                    </a:p>
+                  </a:txBody>
+                  <a:tcPr marL="126042" marR="126042" marT="63021" marB="63021" anchor="ctr">
+                    <a:lnL>
+                      <a:noFill/>
+                    </a:lnL>
+                    <a:lnR>
+                      <a:noFill/>
+                    </a:lnR>
+                    <a:lnT>
+                      <a:noFill/>
+                    </a:lnT>
+                    <a:lnB>
+                      <a:noFill/>
+                    </a:lnB>
+                    <a:noFill/>
+                  </a:tcPr>
+                </a:tc>
+                <a:extLst>
+                  <a:ext uri="{0D108BD9-81ED-4DB2-BD59-A6C34878D82A}">
+                    <a16:rowId xmlns:a16="http://schemas.microsoft.com/office/drawing/2014/main" val="2641830272"/>
+                  </a:ext>
+                </a:extLst>
+              </a:tr>
+              <a:tr h="932713">
+                <a:tc>
+                  <a:txBody>
+                    <a:bodyPr/>
+                    <a:lstStyle/>
+                    <a:p>
+                      <a:pPr>
+                        <a:buNone/>
+                      </a:pPr>
+                      <a:r>
+                        <a:rPr lang="ko-KR" altLang="en-US" sz="2500" b="1"/>
+                        <a:t>장르</a:t>
+                      </a:r>
+                      <a:endParaRPr lang="ko-KR" altLang="en-US" sz="2500"/>
+                    </a:p>
+                  </a:txBody>
+                  <a:tcPr marL="126042" marR="126042" marT="63021" marB="63021" anchor="ctr">
+                    <a:lnL>
+                      <a:noFill/>
+                    </a:lnL>
+                    <a:lnR>
+                      <a:noFill/>
+                    </a:lnR>
+                    <a:lnT>
+                      <a:noFill/>
+                    </a:lnT>
+                    <a:lnB>
+                      <a:noFill/>
+                    </a:lnB>
+                    <a:noFill/>
+                  </a:tcPr>
+                </a:tc>
+                <a:tc>
+                  <a:txBody>
+                    <a:bodyPr/>
+                    <a:lstStyle/>
+                    <a:p>
+                      <a:pPr>
+                        <a:buNone/>
+                      </a:pPr>
+                      <a:r>
+                        <a:rPr lang="en-US" sz="2500"/>
+                        <a:t>3D </a:t>
+                      </a:r>
+                      <a:r>
+                        <a:rPr lang="ko-KR" altLang="en-US" sz="2500"/>
+                        <a:t>협동 퍼즐 어드벤처 </a:t>
+                      </a:r>
+                      <a:r>
+                        <a:rPr lang="en-US" altLang="ko-KR" sz="2500"/>
+                        <a:t>(</a:t>
+                      </a:r>
+                      <a:r>
+                        <a:rPr lang="en-US" sz="2500"/>
+                        <a:t>CO-OP Puzzle Adventure)</a:t>
+                      </a:r>
+                    </a:p>
+                  </a:txBody>
+                  <a:tcPr marL="126042" marR="126042" marT="63021" marB="63021" anchor="ctr">
+                    <a:lnL>
+                      <a:noFill/>
+                    </a:lnL>
+                    <a:lnR>
+                      <a:noFill/>
+                    </a:lnR>
+                    <a:lnT>
+                      <a:noFill/>
+                    </a:lnT>
+                    <a:lnB>
+                      <a:noFill/>
+                    </a:lnB>
+                    <a:noFill/>
+                  </a:tcPr>
+                </a:tc>
+                <a:extLst>
+                  <a:ext uri="{0D108BD9-81ED-4DB2-BD59-A6C34878D82A}">
+                    <a16:rowId xmlns:a16="http://schemas.microsoft.com/office/drawing/2014/main" val="4099615446"/>
+                  </a:ext>
+                </a:extLst>
+              </a:tr>
+              <a:tr h="554586">
+                <a:tc>
+                  <a:txBody>
+                    <a:bodyPr/>
+                    <a:lstStyle/>
+                    <a:p>
+                      <a:pPr>
+                        <a:buNone/>
+                      </a:pPr>
+                      <a:r>
+                        <a:rPr lang="ko-KR" altLang="en-US" sz="2500" b="1"/>
+                        <a:t>플랫폼</a:t>
+                      </a:r>
+                      <a:endParaRPr lang="ko-KR" altLang="en-US" sz="2500"/>
+                    </a:p>
+                  </a:txBody>
+                  <a:tcPr marL="126042" marR="126042" marT="63021" marB="63021" anchor="ctr">
+                    <a:lnL>
+                      <a:noFill/>
+                    </a:lnL>
+                    <a:lnR>
+                      <a:noFill/>
+                    </a:lnR>
+                    <a:lnT>
+                      <a:noFill/>
+                    </a:lnT>
+                    <a:lnB>
+                      <a:noFill/>
+                    </a:lnB>
+                    <a:noFill/>
+                  </a:tcPr>
+                </a:tc>
+                <a:tc>
+                  <a:txBody>
+                    <a:bodyPr/>
+                    <a:lstStyle/>
+                    <a:p>
+                      <a:pPr>
+                        <a:buNone/>
+                      </a:pPr>
+                      <a:r>
+                        <a:rPr lang="en-US" sz="2500"/>
+                        <a:t>PC (Unreal Engine 5 </a:t>
+                      </a:r>
+                      <a:r>
+                        <a:rPr lang="ko-KR" altLang="en-US" sz="2500"/>
+                        <a:t>기반</a:t>
+                      </a:r>
+                      <a:r>
+                        <a:rPr lang="en-US" altLang="ko-KR" sz="2500"/>
+                        <a:t>)</a:t>
+                      </a:r>
+                    </a:p>
+                  </a:txBody>
+                  <a:tcPr marL="126042" marR="126042" marT="63021" marB="63021" anchor="ctr">
+                    <a:lnL>
+                      <a:noFill/>
+                    </a:lnL>
+                    <a:lnR>
+                      <a:noFill/>
+                    </a:lnR>
+                    <a:lnT>
+                      <a:noFill/>
+                    </a:lnT>
+                    <a:lnB>
+                      <a:noFill/>
+                    </a:lnB>
+                    <a:noFill/>
+                  </a:tcPr>
+                </a:tc>
+                <a:extLst>
+                  <a:ext uri="{0D108BD9-81ED-4DB2-BD59-A6C34878D82A}">
+                    <a16:rowId xmlns:a16="http://schemas.microsoft.com/office/drawing/2014/main" val="2898173302"/>
+                  </a:ext>
+                </a:extLst>
+              </a:tr>
+              <a:tr h="554586">
+                <a:tc>
+                  <a:txBody>
+                    <a:bodyPr/>
+                    <a:lstStyle/>
+                    <a:p>
+                      <a:pPr>
+                        <a:buNone/>
+                      </a:pPr>
+                      <a:r>
+                        <a:rPr lang="ko-KR" altLang="en-US" sz="2500" b="1"/>
+                        <a:t>참조 게임</a:t>
+                      </a:r>
+                      <a:endParaRPr lang="ko-KR" altLang="en-US" sz="2500"/>
+                    </a:p>
+                  </a:txBody>
+                  <a:tcPr marL="126042" marR="126042" marT="63021" marB="63021" anchor="ctr">
+                    <a:lnL>
+                      <a:noFill/>
+                    </a:lnL>
+                    <a:lnR>
+                      <a:noFill/>
+                    </a:lnR>
+                    <a:lnT>
+                      <a:noFill/>
+                    </a:lnT>
+                    <a:lnB>
+                      <a:noFill/>
+                    </a:lnB>
+                    <a:noFill/>
+                  </a:tcPr>
+                </a:tc>
+                <a:tc>
+                  <a:txBody>
+                    <a:bodyPr/>
+                    <a:lstStyle/>
+                    <a:p>
+                      <a:pPr>
+                        <a:buNone/>
+                      </a:pPr>
+                      <a:r>
+                        <a:rPr lang="en-US" sz="2500" i="1"/>
+                        <a:t>It Takes Two</a:t>
+                      </a:r>
+                      <a:r>
+                        <a:rPr lang="en-US" sz="2500"/>
+                        <a:t>, </a:t>
+                      </a:r>
+                      <a:r>
+                        <a:rPr lang="en-US" sz="2500" i="1"/>
+                        <a:t>Split Fiction</a:t>
+                      </a:r>
+                      <a:endParaRPr lang="en-US" sz="2500"/>
+                    </a:p>
+                  </a:txBody>
+                  <a:tcPr marL="126042" marR="126042" marT="63021" marB="63021" anchor="ctr">
+                    <a:lnL>
+                      <a:noFill/>
+                    </a:lnL>
+                    <a:lnR>
+                      <a:noFill/>
+                    </a:lnR>
+                    <a:lnT>
+                      <a:noFill/>
+                    </a:lnT>
+                    <a:lnB>
+                      <a:noFill/>
+                    </a:lnB>
+                    <a:noFill/>
+                  </a:tcPr>
+                </a:tc>
+                <a:extLst>
+                  <a:ext uri="{0D108BD9-81ED-4DB2-BD59-A6C34878D82A}">
+                    <a16:rowId xmlns:a16="http://schemas.microsoft.com/office/drawing/2014/main" val="4252375788"/>
+                  </a:ext>
+                </a:extLst>
+              </a:tr>
+              <a:tr h="554586">
+                <a:tc>
+                  <a:txBody>
+                    <a:bodyPr/>
+                    <a:lstStyle/>
+                    <a:p>
+                      <a:pPr>
+                        <a:buNone/>
+                      </a:pPr>
+                      <a:r>
+                        <a:rPr lang="ko-KR" altLang="en-US" sz="2500" b="1"/>
+                        <a:t>플레이 인원</a:t>
+                      </a:r>
+                      <a:endParaRPr lang="ko-KR" altLang="en-US" sz="2500"/>
+                    </a:p>
+                  </a:txBody>
+                  <a:tcPr marL="126042" marR="126042" marT="63021" marB="63021" anchor="ctr">
+                    <a:lnL>
+                      <a:noFill/>
+                    </a:lnL>
+                    <a:lnR>
+                      <a:noFill/>
+                    </a:lnR>
+                    <a:lnT>
+                      <a:noFill/>
+                    </a:lnT>
+                    <a:lnB>
+                      <a:noFill/>
+                    </a:lnB>
+                    <a:noFill/>
+                  </a:tcPr>
+                </a:tc>
+                <a:tc>
+                  <a:txBody>
+                    <a:bodyPr/>
+                    <a:lstStyle/>
+                    <a:p>
+                      <a:pPr>
+                        <a:buNone/>
+                      </a:pPr>
+                      <a:r>
+                        <a:rPr lang="en-US" altLang="ko-KR" sz="2500"/>
+                        <a:t>2</a:t>
+                      </a:r>
+                      <a:r>
+                        <a:rPr lang="ko-KR" altLang="en-US" sz="2500"/>
+                        <a:t>인 협동 플레이 </a:t>
+                      </a:r>
+                      <a:r>
+                        <a:rPr lang="en-US" altLang="ko-KR" sz="2500"/>
+                        <a:t>(</a:t>
+                      </a:r>
+                      <a:r>
+                        <a:rPr lang="en-US" sz="2500"/>
+                        <a:t>Local / Online)</a:t>
+                      </a:r>
+                    </a:p>
+                  </a:txBody>
+                  <a:tcPr marL="126042" marR="126042" marT="63021" marB="63021" anchor="ctr">
+                    <a:lnL>
+                      <a:noFill/>
+                    </a:lnL>
+                    <a:lnR>
+                      <a:noFill/>
+                    </a:lnR>
+                    <a:lnT>
+                      <a:noFill/>
+                    </a:lnT>
+                    <a:lnB>
+                      <a:noFill/>
+                    </a:lnB>
+                    <a:noFill/>
+                  </a:tcPr>
+                </a:tc>
+                <a:extLst>
+                  <a:ext uri="{0D108BD9-81ED-4DB2-BD59-A6C34878D82A}">
+                    <a16:rowId xmlns:a16="http://schemas.microsoft.com/office/drawing/2014/main" val="433700358"/>
+                  </a:ext>
+                </a:extLst>
+              </a:tr>
+              <a:tr h="554586">
+                <a:tc>
+                  <a:txBody>
+                    <a:bodyPr/>
+                    <a:lstStyle/>
+                    <a:p>
+                      <a:pPr>
+                        <a:buNone/>
+                      </a:pPr>
+                      <a:r>
+                        <a:rPr lang="ko-KR" altLang="en-US" sz="2500" b="1"/>
+                        <a:t>플레이 타임</a:t>
+                      </a:r>
+                      <a:endParaRPr lang="ko-KR" altLang="en-US" sz="2500"/>
+                    </a:p>
+                  </a:txBody>
+                  <a:tcPr marL="126042" marR="126042" marT="63021" marB="63021" anchor="ctr">
+                    <a:lnL>
+                      <a:noFill/>
+                    </a:lnL>
+                    <a:lnR>
+                      <a:noFill/>
+                    </a:lnR>
+                    <a:lnT>
+                      <a:noFill/>
+                    </a:lnT>
+                    <a:lnB>
+                      <a:noFill/>
+                    </a:lnB>
+                    <a:noFill/>
+                  </a:tcPr>
+                </a:tc>
+                <a:tc>
+                  <a:txBody>
+                    <a:bodyPr/>
+                    <a:lstStyle/>
+                    <a:p>
+                      <a:pPr>
+                        <a:buNone/>
+                      </a:pPr>
+                      <a:r>
+                        <a:rPr lang="ko-KR" altLang="en-US" sz="2500"/>
+                        <a:t>행성당 약 </a:t>
+                      </a:r>
+                      <a:r>
+                        <a:rPr lang="en-US" altLang="ko-KR" sz="2500"/>
+                        <a:t>5–10</a:t>
+                      </a:r>
+                      <a:r>
+                        <a:rPr lang="ko-KR" altLang="en-US" sz="2500"/>
+                        <a:t>분</a:t>
+                      </a:r>
+                      <a:r>
+                        <a:rPr lang="en-US" altLang="ko-KR" sz="2500"/>
+                        <a:t>, </a:t>
+                      </a:r>
+                      <a:r>
+                        <a:rPr lang="ko-KR" altLang="en-US" sz="2500"/>
+                        <a:t>총 </a:t>
+                      </a:r>
+                      <a:r>
+                        <a:rPr lang="en-US" altLang="ko-KR" sz="2500"/>
+                        <a:t>4~5</a:t>
+                      </a:r>
+                      <a:r>
+                        <a:rPr lang="ko-KR" altLang="en-US" sz="2500"/>
+                        <a:t>개의 챕터 구성</a:t>
+                      </a:r>
+                    </a:p>
+                  </a:txBody>
+                  <a:tcPr marL="126042" marR="126042" marT="63021" marB="63021" anchor="ctr">
+                    <a:lnL>
+                      <a:noFill/>
+                    </a:lnL>
+                    <a:lnR>
+                      <a:noFill/>
+                    </a:lnR>
+                    <a:lnT>
+                      <a:noFill/>
+                    </a:lnT>
+                    <a:lnB>
+                      <a:noFill/>
+                    </a:lnB>
+                    <a:noFill/>
+                  </a:tcPr>
+                </a:tc>
+                <a:extLst>
+                  <a:ext uri="{0D108BD9-81ED-4DB2-BD59-A6C34878D82A}">
+                    <a16:rowId xmlns:a16="http://schemas.microsoft.com/office/drawing/2014/main" val="852120035"/>
+                  </a:ext>
+                </a:extLst>
+              </a:tr>
+              <a:tr h="932713">
+                <a:tc>
+                  <a:txBody>
+                    <a:bodyPr/>
+                    <a:lstStyle/>
+                    <a:p>
+                      <a:pPr>
+                        <a:buNone/>
+                      </a:pPr>
+                      <a:r>
+                        <a:rPr lang="ko-KR" altLang="en-US" sz="2500" b="1"/>
+                        <a:t>기술 중점</a:t>
+                      </a:r>
+                      <a:endParaRPr lang="ko-KR" altLang="en-US" sz="2500"/>
+                    </a:p>
+                  </a:txBody>
+                  <a:tcPr marL="126042" marR="126042" marT="63021" marB="63021" anchor="ctr">
+                    <a:lnL>
+                      <a:noFill/>
+                    </a:lnL>
+                    <a:lnR>
+                      <a:noFill/>
+                    </a:lnR>
+                    <a:lnT>
+                      <a:noFill/>
+                    </a:lnT>
+                    <a:lnB>
+                      <a:noFill/>
+                    </a:lnB>
+                    <a:noFill/>
+                  </a:tcPr>
+                </a:tc>
+                <a:tc>
+                  <a:txBody>
+                    <a:bodyPr/>
+                    <a:lstStyle/>
+                    <a:p>
+                      <a:pPr>
+                        <a:buNone/>
+                      </a:pPr>
+                      <a:r>
+                        <a:rPr lang="ko-KR" altLang="en-US" sz="2500"/>
+                        <a:t>언리얼 카오스 물리</a:t>
+                      </a:r>
+                      <a:r>
+                        <a:rPr lang="en-US" altLang="ko-KR" sz="2500"/>
+                        <a:t>, </a:t>
+                      </a:r>
+                      <a:r>
+                        <a:rPr lang="ko-KR" altLang="en-US" sz="2500"/>
+                        <a:t>협력 퍼즐 시스템</a:t>
+                      </a:r>
+                      <a:r>
+                        <a:rPr lang="en-US" altLang="ko-KR" sz="2500"/>
+                        <a:t>, AI NPC, </a:t>
+                      </a:r>
+                      <a:r>
+                        <a:rPr lang="ko-KR" altLang="en-US" sz="2500"/>
+                        <a:t>네트워크 패킷 처리</a:t>
+                      </a:r>
+                    </a:p>
+                  </a:txBody>
+                  <a:tcPr marL="126042" marR="126042" marT="63021" marB="63021" anchor="ctr">
+                    <a:lnL>
+                      <a:noFill/>
+                    </a:lnL>
+                    <a:lnR>
+                      <a:noFill/>
+                    </a:lnR>
+                    <a:lnT>
+                      <a:noFill/>
+                    </a:lnT>
+                    <a:lnB>
+                      <a:noFill/>
+                    </a:lnB>
+                    <a:noFill/>
+                  </a:tcPr>
+                </a:tc>
+                <a:extLst>
+                  <a:ext uri="{0D108BD9-81ED-4DB2-BD59-A6C34878D82A}">
+                    <a16:rowId xmlns:a16="http://schemas.microsoft.com/office/drawing/2014/main" val="3383467090"/>
+                  </a:ext>
+                </a:extLst>
+              </a:tr>
+              <a:tr h="932713">
+                <a:tc>
+                  <a:txBody>
+                    <a:bodyPr/>
+                    <a:lstStyle/>
+                    <a:p>
+                      <a:pPr>
+                        <a:buNone/>
+                      </a:pPr>
+                      <a:r>
+                        <a:rPr lang="ko-KR" altLang="en-US" sz="2500" b="1"/>
+                        <a:t>팀 주제</a:t>
+                      </a:r>
+                      <a:endParaRPr lang="ko-KR" altLang="en-US" sz="2500"/>
+                    </a:p>
+                  </a:txBody>
+                  <a:tcPr marL="126042" marR="126042" marT="63021" marB="63021" anchor="ctr">
+                    <a:lnL>
+                      <a:noFill/>
+                    </a:lnL>
+                    <a:lnR>
+                      <a:noFill/>
+                    </a:lnR>
+                    <a:lnT>
+                      <a:noFill/>
+                    </a:lnT>
+                    <a:lnB>
+                      <a:noFill/>
+                    </a:lnB>
+                    <a:noFill/>
+                  </a:tcPr>
+                </a:tc>
+                <a:tc>
+                  <a:txBody>
+                    <a:bodyPr/>
+                    <a:lstStyle/>
+                    <a:p>
+                      <a:pPr>
+                        <a:buNone/>
+                      </a:pPr>
+                      <a:r>
+                        <a:rPr lang="ko-KR" altLang="en-US" sz="2500"/>
+                        <a:t>중점연구과제</a:t>
+                      </a:r>
+                      <a:r>
+                        <a:rPr lang="en-US" altLang="ko-KR" sz="2500"/>
+                        <a:t>: </a:t>
+                      </a:r>
+                      <a:r>
+                        <a:rPr lang="ko-KR" altLang="en-US" sz="2500"/>
+                        <a:t>협력형 퍼즐 메커니즘을 통한 </a:t>
+                      </a:r>
+                      <a:r>
+                        <a:rPr lang="en-US" altLang="ko-KR" sz="2500" b="1"/>
+                        <a:t>AI </a:t>
+                      </a:r>
+                      <a:r>
+                        <a:rPr lang="ko-KR" altLang="en-US" sz="2500" b="1"/>
+                        <a:t>기반 상호작용 시뮬레이션</a:t>
+                      </a:r>
+                      <a:endParaRPr lang="ko-KR" altLang="en-US" sz="2500"/>
+                    </a:p>
+                  </a:txBody>
+                  <a:tcPr marL="126042" marR="126042" marT="63021" marB="63021" anchor="ctr">
+                    <a:lnL>
+                      <a:noFill/>
+                    </a:lnL>
+                    <a:lnR>
+                      <a:noFill/>
+                    </a:lnR>
+                    <a:lnT>
+                      <a:noFill/>
+                    </a:lnT>
+                    <a:lnB>
+                      <a:noFill/>
+                    </a:lnB>
+                    <a:noFill/>
+                  </a:tcPr>
+                </a:tc>
+                <a:extLst>
+                  <a:ext uri="{0D108BD9-81ED-4DB2-BD59-A6C34878D82A}">
+                    <a16:rowId xmlns:a16="http://schemas.microsoft.com/office/drawing/2014/main" val="2029320940"/>
+                  </a:ext>
+                </a:extLst>
+              </a:tr>
+            </a:tbl>
+          </a:graphicData>
+        </a:graphic>
+      </p:graphicFrame>
+    </p:spTree>
+    <p:extLst>
+      <p:ext uri="{BB962C8B-B14F-4D97-AF65-F5344CB8AC3E}">
+        <p14:creationId xmlns:p14="http://schemas.microsoft.com/office/powerpoint/2010/main" val="1526229539"/>
+      </p:ext>
+    </p:extLst>
+  </p:cSld>
+  <p:clrMapOvr>
+    <a:masterClrMapping/>
+  </p:clrMapOvr>
+</p:sld>
+</file>
+
+<file path=ppt/slides/slide3.xml><?xml version="1.0" encoding="utf-8"?>
+<p:sld xmlns:a="http://schemas.openxmlformats.org/drawingml/2006/main" xmlns:r="http://schemas.openxmlformats.org/officeDocument/2006/relationships" xmlns:p="http://schemas.openxmlformats.org/presentationml/2006/main">
+  <p:cSld>
+    <p:spTree>
+      <p:nvGrpSpPr>
+        <p:cNvPr id="1" name=""/>
+        <p:cNvGrpSpPr/>
+        <p:nvPr/>
+      </p:nvGrpSpPr>
+      <p:grpSpPr>
+        <a:xfrm>
+          <a:off x="0" y="0"/>
+          <a:ext cx="0" cy="0"/>
+          <a:chOff x="0" y="0"/>
+          <a:chExt cx="0" cy="0"/>
+        </a:xfrm>
+      </p:grpSpPr>
+      <p:sp>
+        <p:nvSpPr>
+          <p:cNvPr id="2" name="제목 1">
+            <a:extLst>
+              <a:ext uri="{FF2B5EF4-FFF2-40B4-BE49-F238E27FC236}">
+                <a16:creationId xmlns:a16="http://schemas.microsoft.com/office/drawing/2014/main" id="{10C4285F-1247-813D-0C6D-AEC583547AD7}"/>
               </a:ext>
             </a:extLst>
           </p:cNvPr>
@@ -3444,7 +4944,7 @@
             <a:spLocks noGrp="1"/>
           </p:cNvSpPr>
           <p:nvPr>
-            <p:ph idx="1"/>
+            <p:ph type="title"/>
           </p:nvPr>
         </p:nvSpPr>
         <p:spPr/>
@@ -3452,14 +4952,3717 @@
           <a:bodyPr/>
           <a:lstStyle/>
           <a:p>
-            <a:endParaRPr lang="ko-KR" altLang="en-US"/>
+            <a:r>
+              <a:rPr lang="ko-KR" altLang="en-US" dirty="0"/>
+              <a:t>세계관 및 스토리</a:t>
+            </a:r>
+          </a:p>
+        </p:txBody>
+      </p:sp>
+      <p:sp>
+        <p:nvSpPr>
+          <p:cNvPr id="3" name="내용 개체 틀 2">
+            <a:extLst>
+              <a:ext uri="{FF2B5EF4-FFF2-40B4-BE49-F238E27FC236}">
+                <a16:creationId xmlns:a16="http://schemas.microsoft.com/office/drawing/2014/main" id="{17CA727F-90DB-7E79-80C1-B1628A54F190}"/>
+              </a:ext>
+            </a:extLst>
+          </p:cNvPr>
+          <p:cNvSpPr>
+            <a:spLocks noGrp="1"/>
+          </p:cNvSpPr>
+          <p:nvPr>
+            <p:ph idx="1"/>
+          </p:nvPr>
+        </p:nvSpPr>
+        <p:spPr/>
+        <p:txBody>
+          <a:bodyPr/>
+          <a:lstStyle/>
+          <a:p>
+            <a:r>
+              <a:rPr lang="ko-KR" altLang="en-US" dirty="0"/>
+              <a:t>“견과류 멸종의 위기 속</a:t>
+            </a:r>
+            <a:r>
+              <a:rPr lang="en-US" altLang="ko-KR" dirty="0"/>
+              <a:t>, </a:t>
+            </a:r>
+            <a:r>
+              <a:rPr lang="ko-KR" altLang="en-US" dirty="0"/>
+              <a:t>우주를 여행하는 두 다람쥐가 행성마다 숨겨진 ‘전설의 </a:t>
+            </a:r>
+            <a:r>
+              <a:rPr lang="ko-KR" altLang="en-US" dirty="0" err="1"/>
+              <a:t>견과류’를</a:t>
+            </a:r>
+            <a:r>
+              <a:rPr lang="ko-KR" altLang="en-US" dirty="0"/>
+              <a:t> 찾아 떠난다</a:t>
+            </a:r>
+            <a:r>
+              <a:rPr lang="en-US" altLang="ko-KR" dirty="0"/>
+              <a:t>.”</a:t>
+            </a:r>
+          </a:p>
+          <a:p>
+            <a:endParaRPr lang="en-US" altLang="ko-KR" dirty="0"/>
+          </a:p>
+          <a:p>
+            <a:r>
+              <a:rPr lang="ko-KR" altLang="en-US" b="1" dirty="0"/>
+              <a:t>논리적인 다람쥐</a:t>
+            </a:r>
+            <a:r>
+              <a:rPr lang="en-US" altLang="ko-KR" b="1" dirty="0"/>
+              <a:t>(</a:t>
+            </a:r>
+            <a:r>
+              <a:rPr lang="ko-KR" altLang="en-US" b="1" dirty="0"/>
+              <a:t>캐릭터</a:t>
+            </a:r>
+            <a:r>
+              <a:rPr lang="en-US" altLang="ko-KR" b="1" dirty="0"/>
+              <a:t>1)</a:t>
+            </a:r>
+            <a:r>
+              <a:rPr lang="ko-KR" altLang="en-US" dirty="0"/>
+              <a:t> 와 </a:t>
+            </a:r>
+            <a:r>
+              <a:rPr lang="ko-KR" altLang="en-US" b="1" dirty="0"/>
+              <a:t>힘쓰는 다람쥐</a:t>
+            </a:r>
+            <a:r>
+              <a:rPr lang="en-US" altLang="ko-KR" b="1" dirty="0"/>
+              <a:t>(</a:t>
+            </a:r>
+            <a:r>
+              <a:rPr lang="ko-KR" altLang="en-US" b="1" dirty="0"/>
+              <a:t>캐릭터</a:t>
+            </a:r>
+            <a:r>
+              <a:rPr lang="en-US" altLang="ko-KR" b="1" dirty="0"/>
+              <a:t>2)</a:t>
+            </a:r>
+          </a:p>
+          <a:p>
+            <a:r>
+              <a:rPr lang="ko-KR" altLang="en-US" dirty="0"/>
+              <a:t>각 행성마다 하나의 </a:t>
+            </a:r>
+            <a:r>
+              <a:rPr lang="ko-KR" altLang="en-US" b="1" dirty="0"/>
+              <a:t>“견과류 에너지</a:t>
+            </a:r>
+            <a:r>
+              <a:rPr lang="en-US" altLang="ko-KR" b="1" dirty="0"/>
+              <a:t>???</a:t>
+            </a:r>
+            <a:r>
+              <a:rPr lang="ko-KR" altLang="en-US" b="1" dirty="0"/>
+              <a:t>”</a:t>
+            </a:r>
+            <a:r>
+              <a:rPr lang="ko-KR" altLang="en-US" dirty="0"/>
+              <a:t> 를 수집해야 함</a:t>
+            </a:r>
+            <a:r>
+              <a:rPr lang="en-US" altLang="ko-KR" dirty="0"/>
+              <a:t>.</a:t>
+            </a:r>
+          </a:p>
+          <a:p>
+            <a:endParaRPr lang="en-US" altLang="ko-KR" dirty="0"/>
+          </a:p>
+          <a:p>
+            <a:r>
+              <a:rPr lang="ko-KR" altLang="en-US" dirty="0"/>
+              <a:t>마지막에는 모든 견과류를 모아 </a:t>
+            </a:r>
+            <a:r>
+              <a:rPr lang="ko-KR" altLang="en-US" b="1" dirty="0"/>
+              <a:t>지구 생태계를 되살리는 </a:t>
+            </a:r>
+            <a:r>
+              <a:rPr lang="ko-KR" altLang="en-US" b="1" dirty="0" err="1"/>
+              <a:t>해피엔딩</a:t>
+            </a:r>
+            <a:endParaRPr lang="ko-KR" altLang="en-US" dirty="0"/>
           </a:p>
         </p:txBody>
       </p:sp>
     </p:spTree>
     <p:extLst>
       <p:ext uri="{BB962C8B-B14F-4D97-AF65-F5344CB8AC3E}">
-        <p14:creationId xmlns:p14="http://schemas.microsoft.com/office/powerpoint/2010/main" val="1526229539"/>
+        <p14:creationId xmlns:p14="http://schemas.microsoft.com/office/powerpoint/2010/main" val="621859583"/>
+      </p:ext>
+    </p:extLst>
+  </p:cSld>
+  <p:clrMapOvr>
+    <a:masterClrMapping/>
+  </p:clrMapOvr>
+</p:sld>
+</file>
+
+<file path=ppt/slides/slide4.xml><?xml version="1.0" encoding="utf-8"?>
+<p:sld xmlns:a="http://schemas.openxmlformats.org/drawingml/2006/main" xmlns:r="http://schemas.openxmlformats.org/officeDocument/2006/relationships" xmlns:p="http://schemas.openxmlformats.org/presentationml/2006/main">
+  <p:cSld>
+    <p:bg>
+      <p:bgPr>
+        <a:solidFill>
+          <a:schemeClr val="bg1"/>
+        </a:solidFill>
+        <a:effectLst/>
+      </p:bgPr>
+    </p:bg>
+    <p:spTree>
+      <p:nvGrpSpPr>
+        <p:cNvPr id="1" name=""/>
+        <p:cNvGrpSpPr/>
+        <p:nvPr/>
+      </p:nvGrpSpPr>
+      <p:grpSpPr>
+        <a:xfrm>
+          <a:off x="0" y="0"/>
+          <a:ext cx="0" cy="0"/>
+          <a:chOff x="0" y="0"/>
+          <a:chExt cx="0" cy="0"/>
+        </a:xfrm>
+      </p:grpSpPr>
+      <p:sp>
+        <p:nvSpPr>
+          <p:cNvPr id="9" name="Rectangle 8">
+            <a:extLst>
+              <a:ext uri="{FF2B5EF4-FFF2-40B4-BE49-F238E27FC236}">
+                <a16:creationId xmlns:a16="http://schemas.microsoft.com/office/drawing/2014/main" id="{F3060C83-F051-4F0E-ABAD-AA0DFC48B218}"/>
+              </a:ext>
+              <a:ext uri="{C183D7F6-B498-43B3-948B-1728B52AA6E4}">
+                <adec:decorative xmlns:adec="http://schemas.microsoft.com/office/drawing/2017/decorative" val="1"/>
+              </a:ext>
+            </a:extLst>
+          </p:cNvPr>
+          <p:cNvSpPr>
+            <a:spLocks noGrp="1" noRot="1" noChangeAspect="1" noMove="1" noResize="1" noEditPoints="1" noAdjustHandles="1" noChangeArrowheads="1" noChangeShapeType="1" noTextEdit="1"/>
+          </p:cNvSpPr>
+          <p:nvPr>
+            <p:extLst>
+              <p:ext uri="{386F3935-93C4-4BCD-93E2-E3B085C9AB24}">
+                <p16:designElem xmlns:p16="http://schemas.microsoft.com/office/powerpoint/2015/main" val="1"/>
+              </p:ext>
+            </p:extLst>
+          </p:nvPr>
+        </p:nvSpPr>
+        <p:spPr>
+          <a:xfrm>
+            <a:off x="0" y="0"/>
+            <a:ext cx="12192000" cy="6858000"/>
+          </a:xfrm>
+          <a:prstGeom prst="rect">
+            <a:avLst/>
+          </a:prstGeom>
+          <a:solidFill>
+            <a:schemeClr val="bg1"/>
+          </a:solidFill>
+          <a:ln>
+            <a:noFill/>
+          </a:ln>
+        </p:spPr>
+        <p:style>
+          <a:lnRef idx="2">
+            <a:schemeClr val="accent1">
+              <a:shade val="50000"/>
+            </a:schemeClr>
+          </a:lnRef>
+          <a:fillRef idx="1">
+            <a:schemeClr val="accent1"/>
+          </a:fillRef>
+          <a:effectRef idx="0">
+            <a:schemeClr val="accent1"/>
+          </a:effectRef>
+          <a:fontRef idx="minor">
+            <a:schemeClr val="lt1"/>
+          </a:fontRef>
+        </p:style>
+        <p:txBody>
+          <a:bodyPr rtlCol="0" anchor="ctr"/>
+          <a:lstStyle/>
+          <a:p>
+            <a:pPr algn="ctr"/>
+            <a:endParaRPr lang="en-US" dirty="0"/>
+          </a:p>
+        </p:txBody>
+      </p:sp>
+      <p:sp>
+        <p:nvSpPr>
+          <p:cNvPr id="11" name="Freeform: Shape 10">
+            <a:extLst>
+              <a:ext uri="{FF2B5EF4-FFF2-40B4-BE49-F238E27FC236}">
+                <a16:creationId xmlns:a16="http://schemas.microsoft.com/office/drawing/2014/main" id="{83C98ABE-055B-441F-B07E-44F97F083C39}"/>
+              </a:ext>
+              <a:ext uri="{C183D7F6-B498-43B3-948B-1728B52AA6E4}">
+                <adec:decorative xmlns:adec="http://schemas.microsoft.com/office/drawing/2017/decorative" val="1"/>
+              </a:ext>
+            </a:extLst>
+          </p:cNvPr>
+          <p:cNvSpPr>
+            <a:spLocks noGrp="1" noRot="1" noChangeAspect="1" noMove="1" noResize="1" noEditPoints="1" noAdjustHandles="1" noChangeArrowheads="1" noChangeShapeType="1" noTextEdit="1"/>
+          </p:cNvSpPr>
+          <p:nvPr>
+            <p:extLst>
+              <p:ext uri="{386F3935-93C4-4BCD-93E2-E3B085C9AB24}">
+                <p16:designElem xmlns:p16="http://schemas.microsoft.com/office/powerpoint/2015/main" val="1"/>
+              </p:ext>
+            </p:extLst>
+          </p:nvPr>
+        </p:nvSpPr>
+        <p:spPr>
+          <a:xfrm rot="18900000" flipH="1">
+            <a:off x="-376156" y="-253670"/>
+            <a:ext cx="1827638" cy="1376989"/>
+          </a:xfrm>
+          <a:custGeom>
+            <a:avLst/>
+            <a:gdLst>
+              <a:gd name="connsiteX0" fmla="*/ 0 w 1827638"/>
+              <a:gd name="connsiteY0" fmla="*/ 987379 h 1376989"/>
+              <a:gd name="connsiteX1" fmla="*/ 987379 w 1827638"/>
+              <a:gd name="connsiteY1" fmla="*/ 0 h 1376989"/>
+              <a:gd name="connsiteX2" fmla="*/ 1827638 w 1827638"/>
+              <a:gd name="connsiteY2" fmla="*/ 840260 h 1376989"/>
+              <a:gd name="connsiteX3" fmla="*/ 1827638 w 1827638"/>
+              <a:gd name="connsiteY3" fmla="*/ 1376989 h 1376989"/>
+              <a:gd name="connsiteX4" fmla="*/ 0 w 1827638"/>
+              <a:gd name="connsiteY4" fmla="*/ 1376989 h 1376989"/>
+            </a:gdLst>
+            <a:ahLst/>
+            <a:cxnLst>
+              <a:cxn ang="0">
+                <a:pos x="connsiteX0" y="connsiteY0"/>
+              </a:cxn>
+              <a:cxn ang="0">
+                <a:pos x="connsiteX1" y="connsiteY1"/>
+              </a:cxn>
+              <a:cxn ang="0">
+                <a:pos x="connsiteX2" y="connsiteY2"/>
+              </a:cxn>
+              <a:cxn ang="0">
+                <a:pos x="connsiteX3" y="connsiteY3"/>
+              </a:cxn>
+              <a:cxn ang="0">
+                <a:pos x="connsiteX4" y="connsiteY4"/>
+              </a:cxn>
+            </a:cxnLst>
+            <a:rect l="l" t="t" r="r" b="b"/>
+            <a:pathLst>
+              <a:path w="1827638" h="1376989">
+                <a:moveTo>
+                  <a:pt x="0" y="987379"/>
+                </a:moveTo>
+                <a:lnTo>
+                  <a:pt x="987379" y="0"/>
+                </a:lnTo>
+                <a:lnTo>
+                  <a:pt x="1827638" y="840260"/>
+                </a:lnTo>
+                <a:lnTo>
+                  <a:pt x="1827638" y="1376989"/>
+                </a:lnTo>
+                <a:lnTo>
+                  <a:pt x="0" y="1376989"/>
+                </a:lnTo>
+                <a:close/>
+              </a:path>
+            </a:pathLst>
+          </a:custGeom>
+          <a:solidFill>
+            <a:schemeClr val="accent1">
+              <a:alpha val="30000"/>
+            </a:schemeClr>
+          </a:solidFill>
+          <a:ln>
+            <a:noFill/>
+          </a:ln>
+        </p:spPr>
+        <p:style>
+          <a:lnRef idx="2">
+            <a:schemeClr val="accent1">
+              <a:shade val="50000"/>
+            </a:schemeClr>
+          </a:lnRef>
+          <a:fillRef idx="1">
+            <a:schemeClr val="accent1"/>
+          </a:fillRef>
+          <a:effectRef idx="0">
+            <a:schemeClr val="accent1"/>
+          </a:effectRef>
+          <a:fontRef idx="minor">
+            <a:schemeClr val="lt1"/>
+          </a:fontRef>
+        </p:style>
+        <p:txBody>
+          <a:bodyPr rtlCol="0" anchor="ctr"/>
+          <a:lstStyle/>
+          <a:p>
+            <a:pPr algn="ctr"/>
+            <a:endParaRPr lang="en-US" dirty="0"/>
+          </a:p>
+        </p:txBody>
+      </p:sp>
+      <p:sp>
+        <p:nvSpPr>
+          <p:cNvPr id="13" name="Rectangle 12">
+            <a:extLst>
+              <a:ext uri="{FF2B5EF4-FFF2-40B4-BE49-F238E27FC236}">
+                <a16:creationId xmlns:a16="http://schemas.microsoft.com/office/drawing/2014/main" id="{29FDB030-9B49-4CED-8CCD-4D99382388AC}"/>
+              </a:ext>
+              <a:ext uri="{C183D7F6-B498-43B3-948B-1728B52AA6E4}">
+                <adec:decorative xmlns:adec="http://schemas.microsoft.com/office/drawing/2017/decorative" val="1"/>
+              </a:ext>
+            </a:extLst>
+          </p:cNvPr>
+          <p:cNvSpPr>
+            <a:spLocks noGrp="1" noRot="1" noChangeAspect="1" noMove="1" noResize="1" noEditPoints="1" noAdjustHandles="1" noChangeArrowheads="1" noChangeShapeType="1" noTextEdit="1"/>
+          </p:cNvSpPr>
+          <p:nvPr>
+            <p:extLst>
+              <p:ext uri="{386F3935-93C4-4BCD-93E2-E3B085C9AB24}">
+                <p16:designElem xmlns:p16="http://schemas.microsoft.com/office/powerpoint/2015/main" val="1"/>
+              </p:ext>
+            </p:extLst>
+          </p:nvPr>
+        </p:nvSpPr>
+        <p:spPr>
+          <a:xfrm rot="18900000" flipH="1">
+            <a:off x="891641" y="422146"/>
+            <a:ext cx="645368" cy="645368"/>
+          </a:xfrm>
+          <a:prstGeom prst="rect">
+            <a:avLst/>
+          </a:prstGeom>
+          <a:solidFill>
+            <a:schemeClr val="accent1">
+              <a:alpha val="30000"/>
+            </a:schemeClr>
+          </a:solidFill>
+          <a:ln>
+            <a:noFill/>
+          </a:ln>
+        </p:spPr>
+        <p:style>
+          <a:lnRef idx="2">
+            <a:schemeClr val="accent1">
+              <a:shade val="50000"/>
+            </a:schemeClr>
+          </a:lnRef>
+          <a:fillRef idx="1">
+            <a:schemeClr val="accent1"/>
+          </a:fillRef>
+          <a:effectRef idx="0">
+            <a:schemeClr val="accent1"/>
+          </a:effectRef>
+          <a:fontRef idx="minor">
+            <a:schemeClr val="lt1"/>
+          </a:fontRef>
+        </p:style>
+        <p:txBody>
+          <a:bodyPr rtlCol="0" anchor="ctr"/>
+          <a:lstStyle/>
+          <a:p>
+            <a:pPr algn="ctr"/>
+            <a:endParaRPr lang="en-US"/>
+          </a:p>
+        </p:txBody>
+      </p:sp>
+      <p:sp>
+        <p:nvSpPr>
+          <p:cNvPr id="15" name="Rectangle 14">
+            <a:extLst>
+              <a:ext uri="{FF2B5EF4-FFF2-40B4-BE49-F238E27FC236}">
+                <a16:creationId xmlns:a16="http://schemas.microsoft.com/office/drawing/2014/main" id="{3783CA14-24A1-485C-8B30-D6A5D87987AD}"/>
+              </a:ext>
+              <a:ext uri="{C183D7F6-B498-43B3-948B-1728B52AA6E4}">
+                <adec:decorative xmlns:adec="http://schemas.microsoft.com/office/drawing/2017/decorative" val="1"/>
+              </a:ext>
+            </a:extLst>
+          </p:cNvPr>
+          <p:cNvSpPr>
+            <a:spLocks noGrp="1" noRot="1" noChangeAspect="1" noMove="1" noResize="1" noEditPoints="1" noAdjustHandles="1" noChangeArrowheads="1" noChangeShapeType="1" noTextEdit="1"/>
+          </p:cNvSpPr>
+          <p:nvPr>
+            <p:extLst>
+              <p:ext uri="{386F3935-93C4-4BCD-93E2-E3B085C9AB24}">
+                <p16:designElem xmlns:p16="http://schemas.microsoft.com/office/powerpoint/2015/main" val="1"/>
+              </p:ext>
+            </p:extLst>
+          </p:nvPr>
+        </p:nvSpPr>
+        <p:spPr>
+          <a:xfrm rot="18900000" flipH="1">
+            <a:off x="10043482" y="655140"/>
+            <a:ext cx="687472" cy="687472"/>
+          </a:xfrm>
+          <a:prstGeom prst="rect">
+            <a:avLst/>
+          </a:prstGeom>
+          <a:solidFill>
+            <a:schemeClr val="accent4">
+              <a:alpha val="30000"/>
+            </a:schemeClr>
+          </a:solidFill>
+          <a:ln>
+            <a:noFill/>
+          </a:ln>
+        </p:spPr>
+        <p:style>
+          <a:lnRef idx="2">
+            <a:schemeClr val="accent1">
+              <a:shade val="50000"/>
+            </a:schemeClr>
+          </a:lnRef>
+          <a:fillRef idx="1">
+            <a:schemeClr val="accent1"/>
+          </a:fillRef>
+          <a:effectRef idx="0">
+            <a:schemeClr val="accent1"/>
+          </a:effectRef>
+          <a:fontRef idx="minor">
+            <a:schemeClr val="lt1"/>
+          </a:fontRef>
+        </p:style>
+        <p:txBody>
+          <a:bodyPr rtlCol="0" anchor="ctr"/>
+          <a:lstStyle/>
+          <a:p>
+            <a:pPr algn="ctr"/>
+            <a:endParaRPr lang="en-US"/>
+          </a:p>
+        </p:txBody>
+      </p:sp>
+      <p:sp>
+        <p:nvSpPr>
+          <p:cNvPr id="17" name="Freeform: Shape 16">
+            <a:extLst>
+              <a:ext uri="{FF2B5EF4-FFF2-40B4-BE49-F238E27FC236}">
+                <a16:creationId xmlns:a16="http://schemas.microsoft.com/office/drawing/2014/main" id="{9A97C86A-04D6-40F7-AE84-31AB43E6A846}"/>
+              </a:ext>
+              <a:ext uri="{C183D7F6-B498-43B3-948B-1728B52AA6E4}">
+                <adec:decorative xmlns:adec="http://schemas.microsoft.com/office/drawing/2017/decorative" val="1"/>
+              </a:ext>
+            </a:extLst>
+          </p:cNvPr>
+          <p:cNvSpPr>
+            <a:spLocks noGrp="1" noRot="1" noChangeAspect="1" noMove="1" noResize="1" noEditPoints="1" noAdjustHandles="1" noChangeArrowheads="1" noChangeShapeType="1" noTextEdit="1"/>
+          </p:cNvSpPr>
+          <p:nvPr>
+            <p:extLst>
+              <p:ext uri="{386F3935-93C4-4BCD-93E2-E3B085C9AB24}">
+                <p16:designElem xmlns:p16="http://schemas.microsoft.com/office/powerpoint/2015/main" val="1"/>
+              </p:ext>
+            </p:extLst>
+          </p:nvPr>
+        </p:nvSpPr>
+        <p:spPr>
+          <a:xfrm rot="10800000" flipH="1">
+            <a:off x="9356643" y="0"/>
+            <a:ext cx="2835357" cy="1480837"/>
+          </a:xfrm>
+          <a:custGeom>
+            <a:avLst/>
+            <a:gdLst>
+              <a:gd name="connsiteX0" fmla="*/ 2835357 w 2835357"/>
+              <a:gd name="connsiteY0" fmla="*/ 1480837 h 1480837"/>
+              <a:gd name="connsiteX1" fmla="*/ 0 w 2835357"/>
+              <a:gd name="connsiteY1" fmla="*/ 1480837 h 1480837"/>
+              <a:gd name="connsiteX2" fmla="*/ 1552727 w 2835357"/>
+              <a:gd name="connsiteY2" fmla="*/ 0 h 1480837"/>
+              <a:gd name="connsiteX3" fmla="*/ 2835357 w 2835357"/>
+              <a:gd name="connsiteY3" fmla="*/ 1223245 h 1480837"/>
+            </a:gdLst>
+            <a:ahLst/>
+            <a:cxnLst>
+              <a:cxn ang="0">
+                <a:pos x="connsiteX0" y="connsiteY0"/>
+              </a:cxn>
+              <a:cxn ang="0">
+                <a:pos x="connsiteX1" y="connsiteY1"/>
+              </a:cxn>
+              <a:cxn ang="0">
+                <a:pos x="connsiteX2" y="connsiteY2"/>
+              </a:cxn>
+              <a:cxn ang="0">
+                <a:pos x="connsiteX3" y="connsiteY3"/>
+              </a:cxn>
+            </a:cxnLst>
+            <a:rect l="l" t="t" r="r" b="b"/>
+            <a:pathLst>
+              <a:path w="2835357" h="1480837">
+                <a:moveTo>
+                  <a:pt x="2835357" y="1480837"/>
+                </a:moveTo>
+                <a:lnTo>
+                  <a:pt x="0" y="1480837"/>
+                </a:lnTo>
+                <a:lnTo>
+                  <a:pt x="1552727" y="0"/>
+                </a:lnTo>
+                <a:lnTo>
+                  <a:pt x="2835357" y="1223245"/>
+                </a:lnTo>
+                <a:close/>
+              </a:path>
+            </a:pathLst>
+          </a:custGeom>
+          <a:solidFill>
+            <a:schemeClr val="accent4">
+              <a:alpha val="30000"/>
+            </a:schemeClr>
+          </a:solidFill>
+          <a:ln>
+            <a:noFill/>
+          </a:ln>
+        </p:spPr>
+        <p:style>
+          <a:lnRef idx="2">
+            <a:schemeClr val="accent1">
+              <a:shade val="50000"/>
+            </a:schemeClr>
+          </a:lnRef>
+          <a:fillRef idx="1">
+            <a:schemeClr val="accent1"/>
+          </a:fillRef>
+          <a:effectRef idx="0">
+            <a:schemeClr val="accent1"/>
+          </a:effectRef>
+          <a:fontRef idx="minor">
+            <a:schemeClr val="lt1"/>
+          </a:fontRef>
+        </p:style>
+        <p:txBody>
+          <a:bodyPr wrap="square" rtlCol="0" anchor="ctr">
+            <a:noAutofit/>
+          </a:bodyPr>
+          <a:lstStyle/>
+          <a:p>
+            <a:pPr algn="ctr"/>
+            <a:endParaRPr lang="en-US" dirty="0"/>
+          </a:p>
+        </p:txBody>
+      </p:sp>
+      <p:sp>
+        <p:nvSpPr>
+          <p:cNvPr id="19" name="Isosceles Triangle 18">
+            <a:extLst>
+              <a:ext uri="{FF2B5EF4-FFF2-40B4-BE49-F238E27FC236}">
+                <a16:creationId xmlns:a16="http://schemas.microsoft.com/office/drawing/2014/main" id="{FF9F2414-84E8-453E-B1F3-389FDE8192D9}"/>
+              </a:ext>
+              <a:ext uri="{C183D7F6-B498-43B3-948B-1728B52AA6E4}">
+                <adec:decorative xmlns:adec="http://schemas.microsoft.com/office/drawing/2017/decorative" val="1"/>
+              </a:ext>
+            </a:extLst>
+          </p:cNvPr>
+          <p:cNvSpPr>
+            <a:spLocks noGrp="1" noRot="1" noChangeAspect="1" noMove="1" noResize="1" noEditPoints="1" noAdjustHandles="1" noChangeArrowheads="1" noChangeShapeType="1" noTextEdit="1"/>
+          </p:cNvSpPr>
+          <p:nvPr>
+            <p:extLst>
+              <p:ext uri="{386F3935-93C4-4BCD-93E2-E3B085C9AB24}">
+                <p16:designElem xmlns:p16="http://schemas.microsoft.com/office/powerpoint/2015/main" val="1"/>
+              </p:ext>
+            </p:extLst>
+          </p:nvPr>
+        </p:nvSpPr>
+        <p:spPr>
+          <a:xfrm flipH="1">
+            <a:off x="7976344" y="6115501"/>
+            <a:ext cx="1494513" cy="742499"/>
+          </a:xfrm>
+          <a:prstGeom prst="triangle">
+            <a:avLst/>
+          </a:prstGeom>
+          <a:solidFill>
+            <a:schemeClr val="accent1">
+              <a:alpha val="30000"/>
+            </a:schemeClr>
+          </a:solidFill>
+          <a:ln>
+            <a:noFill/>
+          </a:ln>
+        </p:spPr>
+        <p:style>
+          <a:lnRef idx="2">
+            <a:schemeClr val="accent1">
+              <a:shade val="50000"/>
+            </a:schemeClr>
+          </a:lnRef>
+          <a:fillRef idx="1">
+            <a:schemeClr val="accent1"/>
+          </a:fillRef>
+          <a:effectRef idx="0">
+            <a:schemeClr val="accent1"/>
+          </a:effectRef>
+          <a:fontRef idx="minor">
+            <a:schemeClr val="lt1"/>
+          </a:fontRef>
+        </p:style>
+        <p:txBody>
+          <a:bodyPr rtlCol="0" anchor="ctr"/>
+          <a:lstStyle/>
+          <a:p>
+            <a:pPr algn="ctr"/>
+            <a:endParaRPr lang="en-US"/>
+          </a:p>
+        </p:txBody>
+      </p:sp>
+      <p:sp>
+        <p:nvSpPr>
+          <p:cNvPr id="21" name="Isosceles Triangle 20">
+            <a:extLst>
+              <a:ext uri="{FF2B5EF4-FFF2-40B4-BE49-F238E27FC236}">
+                <a16:creationId xmlns:a16="http://schemas.microsoft.com/office/drawing/2014/main" id="{3ECA69A1-7536-43AC-85EF-C7106179F5ED}"/>
+              </a:ext>
+              <a:ext uri="{C183D7F6-B498-43B3-948B-1728B52AA6E4}">
+                <adec:decorative xmlns:adec="http://schemas.microsoft.com/office/drawing/2017/decorative" val="1"/>
+              </a:ext>
+            </a:extLst>
+          </p:cNvPr>
+          <p:cNvSpPr>
+            <a:spLocks noGrp="1" noRot="1" noChangeAspect="1" noMove="1" noResize="1" noEditPoints="1" noAdjustHandles="1" noChangeArrowheads="1" noChangeShapeType="1" noTextEdit="1"/>
+          </p:cNvSpPr>
+          <p:nvPr>
+            <p:extLst>
+              <p:ext uri="{386F3935-93C4-4BCD-93E2-E3B085C9AB24}">
+                <p16:designElem xmlns:p16="http://schemas.microsoft.com/office/powerpoint/2015/main" val="1"/>
+              </p:ext>
+            </p:extLst>
+          </p:nvPr>
+        </p:nvSpPr>
+        <p:spPr>
+          <a:xfrm flipH="1">
+            <a:off x="7604080" y="6453143"/>
+            <a:ext cx="814903" cy="404857"/>
+          </a:xfrm>
+          <a:prstGeom prst="triangle">
+            <a:avLst/>
+          </a:prstGeom>
+          <a:solidFill>
+            <a:schemeClr val="accent1">
+              <a:alpha val="30000"/>
+            </a:schemeClr>
+          </a:solidFill>
+          <a:ln>
+            <a:noFill/>
+          </a:ln>
+        </p:spPr>
+        <p:style>
+          <a:lnRef idx="2">
+            <a:schemeClr val="accent1">
+              <a:shade val="50000"/>
+            </a:schemeClr>
+          </a:lnRef>
+          <a:fillRef idx="1">
+            <a:schemeClr val="accent1"/>
+          </a:fillRef>
+          <a:effectRef idx="0">
+            <a:schemeClr val="accent1"/>
+          </a:effectRef>
+          <a:fontRef idx="minor">
+            <a:schemeClr val="lt1"/>
+          </a:fontRef>
+        </p:style>
+        <p:txBody>
+          <a:bodyPr rtlCol="0" anchor="ctr"/>
+          <a:lstStyle/>
+          <a:p>
+            <a:pPr algn="ctr"/>
+            <a:endParaRPr lang="en-US"/>
+          </a:p>
+        </p:txBody>
+      </p:sp>
+      <p:graphicFrame>
+        <p:nvGraphicFramePr>
+          <p:cNvPr id="4" name="내용 개체 틀 3">
+            <a:extLst>
+              <a:ext uri="{FF2B5EF4-FFF2-40B4-BE49-F238E27FC236}">
+                <a16:creationId xmlns:a16="http://schemas.microsoft.com/office/drawing/2014/main" id="{8DF80284-6308-AA2D-254D-2F43FEDA1C0C}"/>
+              </a:ext>
+            </a:extLst>
+          </p:cNvPr>
+          <p:cNvGraphicFramePr>
+            <a:graphicFrameLocks noGrp="1"/>
+          </p:cNvGraphicFramePr>
+          <p:nvPr>
+            <p:ph idx="1"/>
+            <p:extLst>
+              <p:ext uri="{D42A27DB-BD31-4B8C-83A1-F6EECF244321}">
+                <p14:modId xmlns:p14="http://schemas.microsoft.com/office/powerpoint/2010/main" val="4035851761"/>
+              </p:ext>
+            </p:extLst>
+          </p:nvPr>
+        </p:nvGraphicFramePr>
+        <p:xfrm>
+          <a:off x="1161718" y="643467"/>
+          <a:ext cx="9868565" cy="5571066"/>
+        </p:xfrm>
+        <a:graphic>
+          <a:graphicData uri="http://schemas.openxmlformats.org/drawingml/2006/table">
+            <a:tbl>
+              <a:tblPr/>
+              <a:tblGrid>
+                <a:gridCol w="2128883">
+                  <a:extLst>
+                    <a:ext uri="{9D8B030D-6E8A-4147-A177-3AD203B41FA5}">
+                      <a16:colId xmlns:a16="http://schemas.microsoft.com/office/drawing/2014/main" val="3232025399"/>
+                    </a:ext>
+                  </a:extLst>
+                </a:gridCol>
+                <a:gridCol w="3990087">
+                  <a:extLst>
+                    <a:ext uri="{9D8B030D-6E8A-4147-A177-3AD203B41FA5}">
+                      <a16:colId xmlns:a16="http://schemas.microsoft.com/office/drawing/2014/main" val="115850248"/>
+                    </a:ext>
+                  </a:extLst>
+                </a:gridCol>
+                <a:gridCol w="3749595">
+                  <a:extLst>
+                    <a:ext uri="{9D8B030D-6E8A-4147-A177-3AD203B41FA5}">
+                      <a16:colId xmlns:a16="http://schemas.microsoft.com/office/drawing/2014/main" val="2765664132"/>
+                    </a:ext>
+                  </a:extLst>
+                </a:gridCol>
+              </a:tblGrid>
+              <a:tr h="1114213">
+                <a:tc>
+                  <a:txBody>
+                    <a:bodyPr/>
+                    <a:lstStyle/>
+                    <a:p>
+                      <a:pPr>
+                        <a:buNone/>
+                      </a:pPr>
+                      <a:endParaRPr lang="ko-KR" altLang="en-US" sz="3000"/>
+                    </a:p>
+                  </a:txBody>
+                  <a:tcPr marL="150569" marR="150569" marT="75285" marB="75285" anchor="ctr">
+                    <a:lnL>
+                      <a:noFill/>
+                    </a:lnL>
+                    <a:lnR>
+                      <a:noFill/>
+                    </a:lnR>
+                    <a:lnT>
+                      <a:noFill/>
+                    </a:lnT>
+                    <a:lnB>
+                      <a:noFill/>
+                    </a:lnB>
+                    <a:noFill/>
+                  </a:tcPr>
+                </a:tc>
+                <a:tc>
+                  <a:txBody>
+                    <a:bodyPr/>
+                    <a:lstStyle/>
+                    <a:p>
+                      <a:pPr>
+                        <a:buNone/>
+                      </a:pPr>
+                      <a:r>
+                        <a:rPr lang="ko-KR" altLang="en-US" sz="3000"/>
+                        <a:t>캐릭터 </a:t>
+                      </a:r>
+                      <a:r>
+                        <a:rPr lang="en-US" altLang="ko-KR" sz="3000"/>
+                        <a:t>1 (</a:t>
+                      </a:r>
+                      <a:r>
+                        <a:rPr lang="ko-KR" altLang="en-US" sz="3000"/>
+                        <a:t>논리적</a:t>
+                      </a:r>
+                      <a:r>
+                        <a:rPr lang="en-US" altLang="ko-KR" sz="3000"/>
+                        <a:t>, </a:t>
+                      </a:r>
+                      <a:r>
+                        <a:rPr lang="ko-KR" altLang="en-US" sz="3000"/>
+                        <a:t>마른</a:t>
+                      </a:r>
+                      <a:r>
+                        <a:rPr lang="en-US" altLang="ko-KR" sz="3000"/>
+                        <a:t>)</a:t>
+                      </a:r>
+                    </a:p>
+                  </a:txBody>
+                  <a:tcPr marL="150569" marR="150569" marT="75285" marB="75285" anchor="ctr">
+                    <a:lnL>
+                      <a:noFill/>
+                    </a:lnL>
+                    <a:lnR>
+                      <a:noFill/>
+                    </a:lnR>
+                    <a:lnT>
+                      <a:noFill/>
+                    </a:lnT>
+                    <a:lnB>
+                      <a:noFill/>
+                    </a:lnB>
+                    <a:noFill/>
+                  </a:tcPr>
+                </a:tc>
+                <a:tc>
+                  <a:txBody>
+                    <a:bodyPr/>
+                    <a:lstStyle/>
+                    <a:p>
+                      <a:pPr>
+                        <a:buNone/>
+                      </a:pPr>
+                      <a:r>
+                        <a:rPr lang="ko-KR" altLang="en-US" sz="3000"/>
+                        <a:t>캐릭터 </a:t>
+                      </a:r>
+                      <a:r>
+                        <a:rPr lang="en-US" altLang="ko-KR" sz="3000"/>
+                        <a:t>2 (</a:t>
+                      </a:r>
+                      <a:r>
+                        <a:rPr lang="ko-KR" altLang="en-US" sz="3000"/>
+                        <a:t>물리적</a:t>
+                      </a:r>
+                      <a:r>
+                        <a:rPr lang="en-US" altLang="ko-KR" sz="3000"/>
+                        <a:t>, </a:t>
+                      </a:r>
+                      <a:r>
+                        <a:rPr lang="ko-KR" altLang="en-US" sz="3000"/>
+                        <a:t>뚱뚱한</a:t>
+                      </a:r>
+                      <a:r>
+                        <a:rPr lang="en-US" altLang="ko-KR" sz="3000"/>
+                        <a:t>)</a:t>
+                      </a:r>
+                    </a:p>
+                  </a:txBody>
+                  <a:tcPr marL="150569" marR="150569" marT="75285" marB="75285" anchor="ctr">
+                    <a:lnL>
+                      <a:noFill/>
+                    </a:lnL>
+                    <a:lnR>
+                      <a:noFill/>
+                    </a:lnR>
+                    <a:lnT>
+                      <a:noFill/>
+                    </a:lnT>
+                    <a:lnB>
+                      <a:noFill/>
+                    </a:lnB>
+                    <a:noFill/>
+                  </a:tcPr>
+                </a:tc>
+                <a:extLst>
+                  <a:ext uri="{0D108BD9-81ED-4DB2-BD59-A6C34878D82A}">
+                    <a16:rowId xmlns:a16="http://schemas.microsoft.com/office/drawing/2014/main" val="3438196530"/>
+                  </a:ext>
+                </a:extLst>
+              </a:tr>
+              <a:tr h="1114213">
+                <a:tc>
+                  <a:txBody>
+                    <a:bodyPr/>
+                    <a:lstStyle/>
+                    <a:p>
+                      <a:pPr>
+                        <a:buNone/>
+                      </a:pPr>
+                      <a:r>
+                        <a:rPr lang="ko-KR" altLang="en-US" sz="3000" b="1"/>
+                        <a:t>핵심 능력</a:t>
+                      </a:r>
+                      <a:endParaRPr lang="ko-KR" altLang="en-US" sz="3000"/>
+                    </a:p>
+                  </a:txBody>
+                  <a:tcPr marL="150569" marR="150569" marT="75285" marB="75285" anchor="ctr">
+                    <a:lnL>
+                      <a:noFill/>
+                    </a:lnL>
+                    <a:lnR>
+                      <a:noFill/>
+                    </a:lnR>
+                    <a:lnT>
+                      <a:noFill/>
+                    </a:lnT>
+                    <a:lnB>
+                      <a:noFill/>
+                    </a:lnB>
+                    <a:noFill/>
+                  </a:tcPr>
+                </a:tc>
+                <a:tc>
+                  <a:txBody>
+                    <a:bodyPr/>
+                    <a:lstStyle/>
+                    <a:p>
+                      <a:pPr>
+                        <a:buNone/>
+                      </a:pPr>
+                      <a:r>
+                        <a:rPr lang="ko-KR" altLang="en-US" sz="3000"/>
+                        <a:t>도구</a:t>
+                      </a:r>
+                      <a:r>
+                        <a:rPr lang="en-US" altLang="ko-KR" sz="3000"/>
+                        <a:t>/</a:t>
+                      </a:r>
+                      <a:r>
+                        <a:rPr lang="ko-KR" altLang="en-US" sz="3000"/>
+                        <a:t>시스템 해킹</a:t>
+                      </a:r>
+                      <a:r>
+                        <a:rPr lang="en-US" altLang="ko-KR" sz="3000"/>
+                        <a:t>, </a:t>
+                      </a:r>
+                      <a:r>
+                        <a:rPr lang="ko-KR" altLang="en-US" sz="3000"/>
+                        <a:t>정밀 조작</a:t>
+                      </a:r>
+                    </a:p>
+                  </a:txBody>
+                  <a:tcPr marL="150569" marR="150569" marT="75285" marB="75285" anchor="ctr">
+                    <a:lnL>
+                      <a:noFill/>
+                    </a:lnL>
+                    <a:lnR>
+                      <a:noFill/>
+                    </a:lnR>
+                    <a:lnT>
+                      <a:noFill/>
+                    </a:lnT>
+                    <a:lnB>
+                      <a:noFill/>
+                    </a:lnB>
+                    <a:noFill/>
+                  </a:tcPr>
+                </a:tc>
+                <a:tc>
+                  <a:txBody>
+                    <a:bodyPr/>
+                    <a:lstStyle/>
+                    <a:p>
+                      <a:pPr>
+                        <a:buNone/>
+                      </a:pPr>
+                      <a:r>
+                        <a:rPr lang="ko-KR" altLang="en-US" sz="3000"/>
+                        <a:t>근력</a:t>
+                      </a:r>
+                      <a:r>
+                        <a:rPr lang="en-US" altLang="ko-KR" sz="3000"/>
+                        <a:t>, </a:t>
+                      </a:r>
+                      <a:r>
+                        <a:rPr lang="ko-KR" altLang="en-US" sz="3000"/>
+                        <a:t>방어</a:t>
+                      </a:r>
+                      <a:r>
+                        <a:rPr lang="en-US" altLang="ko-KR" sz="3000"/>
+                        <a:t>, </a:t>
+                      </a:r>
+                      <a:r>
+                        <a:rPr lang="ko-KR" altLang="en-US" sz="3000"/>
+                        <a:t>돌진</a:t>
+                      </a:r>
+                    </a:p>
+                  </a:txBody>
+                  <a:tcPr marL="150569" marR="150569" marT="75285" marB="75285" anchor="ctr">
+                    <a:lnL>
+                      <a:noFill/>
+                    </a:lnL>
+                    <a:lnR>
+                      <a:noFill/>
+                    </a:lnR>
+                    <a:lnT>
+                      <a:noFill/>
+                    </a:lnT>
+                    <a:lnB>
+                      <a:noFill/>
+                    </a:lnB>
+                    <a:noFill/>
+                  </a:tcPr>
+                </a:tc>
+                <a:extLst>
+                  <a:ext uri="{0D108BD9-81ED-4DB2-BD59-A6C34878D82A}">
+                    <a16:rowId xmlns:a16="http://schemas.microsoft.com/office/drawing/2014/main" val="3864287186"/>
+                  </a:ext>
+                </a:extLst>
+              </a:tr>
+              <a:tr h="662506">
+                <a:tc>
+                  <a:txBody>
+                    <a:bodyPr/>
+                    <a:lstStyle/>
+                    <a:p>
+                      <a:pPr>
+                        <a:buNone/>
+                      </a:pPr>
+                      <a:r>
+                        <a:rPr lang="ko-KR" altLang="en-US" sz="3000" b="1"/>
+                        <a:t>전투 역할</a:t>
+                      </a:r>
+                      <a:endParaRPr lang="ko-KR" altLang="en-US" sz="3000"/>
+                    </a:p>
+                  </a:txBody>
+                  <a:tcPr marL="150569" marR="150569" marT="75285" marB="75285" anchor="ctr">
+                    <a:lnL>
+                      <a:noFill/>
+                    </a:lnL>
+                    <a:lnR>
+                      <a:noFill/>
+                    </a:lnR>
+                    <a:lnT>
+                      <a:noFill/>
+                    </a:lnT>
+                    <a:lnB>
+                      <a:noFill/>
+                    </a:lnB>
+                    <a:noFill/>
+                  </a:tcPr>
+                </a:tc>
+                <a:tc>
+                  <a:txBody>
+                    <a:bodyPr/>
+                    <a:lstStyle/>
+                    <a:p>
+                      <a:pPr>
+                        <a:buNone/>
+                      </a:pPr>
+                      <a:r>
+                        <a:rPr lang="ko-KR" altLang="en-US" sz="3000"/>
+                        <a:t>원거리 공격 </a:t>
+                      </a:r>
+                      <a:r>
+                        <a:rPr lang="en-US" altLang="ko-KR" sz="3000"/>
+                        <a:t>(</a:t>
+                      </a:r>
+                      <a:r>
+                        <a:rPr lang="ko-KR" altLang="en-US" sz="3000"/>
+                        <a:t>레이저</a:t>
+                      </a:r>
+                      <a:r>
+                        <a:rPr lang="en-US" altLang="ko-KR" sz="3000"/>
+                        <a:t>)</a:t>
+                      </a:r>
+                    </a:p>
+                  </a:txBody>
+                  <a:tcPr marL="150569" marR="150569" marT="75285" marB="75285" anchor="ctr">
+                    <a:lnL>
+                      <a:noFill/>
+                    </a:lnL>
+                    <a:lnR>
+                      <a:noFill/>
+                    </a:lnR>
+                    <a:lnT>
+                      <a:noFill/>
+                    </a:lnT>
+                    <a:lnB>
+                      <a:noFill/>
+                    </a:lnB>
+                    <a:noFill/>
+                  </a:tcPr>
+                </a:tc>
+                <a:tc>
+                  <a:txBody>
+                    <a:bodyPr/>
+                    <a:lstStyle/>
+                    <a:p>
+                      <a:pPr>
+                        <a:buNone/>
+                      </a:pPr>
+                      <a:r>
+                        <a:rPr lang="ko-KR" altLang="en-US" sz="3000"/>
+                        <a:t>근거리 공격 </a:t>
+                      </a:r>
+                      <a:r>
+                        <a:rPr lang="en-US" altLang="ko-KR" sz="3000"/>
+                        <a:t>(</a:t>
+                      </a:r>
+                      <a:r>
+                        <a:rPr lang="ko-KR" altLang="en-US" sz="3000"/>
+                        <a:t>펀치</a:t>
+                      </a:r>
+                      <a:r>
+                        <a:rPr lang="en-US" altLang="ko-KR" sz="3000"/>
+                        <a:t>)</a:t>
+                      </a:r>
+                    </a:p>
+                  </a:txBody>
+                  <a:tcPr marL="150569" marR="150569" marT="75285" marB="75285" anchor="ctr">
+                    <a:lnL>
+                      <a:noFill/>
+                    </a:lnL>
+                    <a:lnR>
+                      <a:noFill/>
+                    </a:lnR>
+                    <a:lnT>
+                      <a:noFill/>
+                    </a:lnT>
+                    <a:lnB>
+                      <a:noFill/>
+                    </a:lnB>
+                    <a:noFill/>
+                  </a:tcPr>
+                </a:tc>
+                <a:extLst>
+                  <a:ext uri="{0D108BD9-81ED-4DB2-BD59-A6C34878D82A}">
+                    <a16:rowId xmlns:a16="http://schemas.microsoft.com/office/drawing/2014/main" val="1423420033"/>
+                  </a:ext>
+                </a:extLst>
+              </a:tr>
+              <a:tr h="1114213">
+                <a:tc>
+                  <a:txBody>
+                    <a:bodyPr/>
+                    <a:lstStyle/>
+                    <a:p>
+                      <a:pPr>
+                        <a:buNone/>
+                      </a:pPr>
+                      <a:r>
+                        <a:rPr lang="ko-KR" altLang="en-US" sz="3000" b="1"/>
+                        <a:t>퍼즐 기여</a:t>
+                      </a:r>
+                      <a:endParaRPr lang="ko-KR" altLang="en-US" sz="3000"/>
+                    </a:p>
+                  </a:txBody>
+                  <a:tcPr marL="150569" marR="150569" marT="75285" marB="75285" anchor="ctr">
+                    <a:lnL>
+                      <a:noFill/>
+                    </a:lnL>
+                    <a:lnR>
+                      <a:noFill/>
+                    </a:lnR>
+                    <a:lnT>
+                      <a:noFill/>
+                    </a:lnT>
+                    <a:lnB>
+                      <a:noFill/>
+                    </a:lnB>
+                    <a:noFill/>
+                  </a:tcPr>
+                </a:tc>
+                <a:tc>
+                  <a:txBody>
+                    <a:bodyPr/>
+                    <a:lstStyle/>
+                    <a:p>
+                      <a:pPr>
+                        <a:buNone/>
+                      </a:pPr>
+                      <a:r>
+                        <a:rPr lang="ko-KR" altLang="en-US" sz="3000"/>
+                        <a:t>장치 조작</a:t>
+                      </a:r>
+                      <a:r>
+                        <a:rPr lang="en-US" altLang="ko-KR" sz="3000"/>
+                        <a:t>, </a:t>
+                      </a:r>
+                      <a:r>
+                        <a:rPr lang="ko-KR" altLang="en-US" sz="3000"/>
+                        <a:t>타이밍 제어</a:t>
+                      </a:r>
+                    </a:p>
+                  </a:txBody>
+                  <a:tcPr marL="150569" marR="150569" marT="75285" marB="75285" anchor="ctr">
+                    <a:lnL>
+                      <a:noFill/>
+                    </a:lnL>
+                    <a:lnR>
+                      <a:noFill/>
+                    </a:lnR>
+                    <a:lnT>
+                      <a:noFill/>
+                    </a:lnT>
+                    <a:lnB>
+                      <a:noFill/>
+                    </a:lnB>
+                    <a:noFill/>
+                  </a:tcPr>
+                </a:tc>
+                <a:tc>
+                  <a:txBody>
+                    <a:bodyPr/>
+                    <a:lstStyle/>
+                    <a:p>
+                      <a:pPr>
+                        <a:buNone/>
+                      </a:pPr>
+                      <a:r>
+                        <a:rPr lang="ko-KR" altLang="en-US" sz="3000"/>
+                        <a:t>무게추</a:t>
+                      </a:r>
+                      <a:r>
+                        <a:rPr lang="en-US" altLang="ko-KR" sz="3000"/>
+                        <a:t>, </a:t>
+                      </a:r>
+                      <a:r>
+                        <a:rPr lang="ko-KR" altLang="en-US" sz="3000"/>
+                        <a:t>파괴</a:t>
+                      </a:r>
+                      <a:r>
+                        <a:rPr lang="en-US" altLang="ko-KR" sz="3000"/>
+                        <a:t>, </a:t>
+                      </a:r>
+                      <a:r>
+                        <a:rPr lang="ko-KR" altLang="en-US" sz="3000"/>
+                        <a:t>발판 누르기</a:t>
+                      </a:r>
+                    </a:p>
+                  </a:txBody>
+                  <a:tcPr marL="150569" marR="150569" marT="75285" marB="75285" anchor="ctr">
+                    <a:lnL>
+                      <a:noFill/>
+                    </a:lnL>
+                    <a:lnR>
+                      <a:noFill/>
+                    </a:lnR>
+                    <a:lnT>
+                      <a:noFill/>
+                    </a:lnT>
+                    <a:lnB>
+                      <a:noFill/>
+                    </a:lnB>
+                    <a:noFill/>
+                  </a:tcPr>
+                </a:tc>
+                <a:extLst>
+                  <a:ext uri="{0D108BD9-81ED-4DB2-BD59-A6C34878D82A}">
+                    <a16:rowId xmlns:a16="http://schemas.microsoft.com/office/drawing/2014/main" val="3623303220"/>
+                  </a:ext>
+                </a:extLst>
+              </a:tr>
+              <a:tr h="1565921">
+                <a:tc>
+                  <a:txBody>
+                    <a:bodyPr/>
+                    <a:lstStyle/>
+                    <a:p>
+                      <a:pPr>
+                        <a:buNone/>
+                      </a:pPr>
+                      <a:r>
+                        <a:rPr lang="ko-KR" altLang="en-US" sz="3000" b="1"/>
+                        <a:t>조작 키</a:t>
+                      </a:r>
+                      <a:endParaRPr lang="ko-KR" altLang="en-US" sz="3000"/>
+                    </a:p>
+                  </a:txBody>
+                  <a:tcPr marL="150569" marR="150569" marT="75285" marB="75285" anchor="ctr">
+                    <a:lnL>
+                      <a:noFill/>
+                    </a:lnL>
+                    <a:lnR>
+                      <a:noFill/>
+                    </a:lnR>
+                    <a:lnT>
+                      <a:noFill/>
+                    </a:lnT>
+                    <a:lnB>
+                      <a:noFill/>
+                    </a:lnB>
+                    <a:noFill/>
+                  </a:tcPr>
+                </a:tc>
+                <a:tc>
+                  <a:txBody>
+                    <a:bodyPr/>
+                    <a:lstStyle/>
+                    <a:p>
+                      <a:pPr>
+                        <a:buNone/>
+                      </a:pPr>
+                      <a:r>
+                        <a:rPr lang="en-US" altLang="ko-KR" sz="3000"/>
+                        <a:t>WASD </a:t>
+                      </a:r>
+                      <a:r>
+                        <a:rPr lang="ko-KR" altLang="en-US" sz="3000"/>
+                        <a:t>이동 </a:t>
+                      </a:r>
+                      <a:r>
+                        <a:rPr lang="en-US" altLang="ko-KR" sz="3000"/>
+                        <a:t>/ Shift </a:t>
+                      </a:r>
+                      <a:r>
+                        <a:rPr lang="ko-KR" altLang="en-US" sz="3000"/>
+                        <a:t>대쉬 </a:t>
+                      </a:r>
+                      <a:r>
+                        <a:rPr lang="en-US" altLang="ko-KR" sz="3000"/>
+                        <a:t>/ E </a:t>
+                      </a:r>
+                      <a:r>
+                        <a:rPr lang="ko-KR" altLang="en-US" sz="3000"/>
+                        <a:t>상호작용 </a:t>
+                      </a:r>
+                      <a:r>
+                        <a:rPr lang="en-US" altLang="ko-KR" sz="3000"/>
+                        <a:t>/ </a:t>
+                      </a:r>
+                      <a:r>
+                        <a:rPr lang="ko-KR" altLang="en-US" sz="3000"/>
+                        <a:t>마우스왼쪽 공격</a:t>
+                      </a:r>
+                    </a:p>
+                  </a:txBody>
+                  <a:tcPr marL="150569" marR="150569" marT="75285" marB="75285" anchor="ctr">
+                    <a:lnL>
+                      <a:noFill/>
+                    </a:lnL>
+                    <a:lnR>
+                      <a:noFill/>
+                    </a:lnR>
+                    <a:lnT>
+                      <a:noFill/>
+                    </a:lnT>
+                    <a:lnB>
+                      <a:noFill/>
+                    </a:lnB>
+                    <a:noFill/>
+                  </a:tcPr>
+                </a:tc>
+                <a:tc>
+                  <a:txBody>
+                    <a:bodyPr/>
+                    <a:lstStyle/>
+                    <a:p>
+                      <a:pPr>
+                        <a:buNone/>
+                      </a:pPr>
+                      <a:r>
+                        <a:rPr lang="ko-KR" altLang="en-US" sz="3000" dirty="0"/>
+                        <a:t>동일 </a:t>
+                      </a:r>
+                      <a:r>
+                        <a:rPr lang="en-US" altLang="ko-KR" sz="3000" dirty="0"/>
+                        <a:t>+ Alt </a:t>
+                      </a:r>
+                      <a:r>
+                        <a:rPr lang="ko-KR" altLang="en-US" sz="3000" dirty="0"/>
+                        <a:t>엉덩방아 점프</a:t>
+                      </a:r>
+                    </a:p>
+                  </a:txBody>
+                  <a:tcPr marL="150569" marR="150569" marT="75285" marB="75285" anchor="ctr">
+                    <a:lnL>
+                      <a:noFill/>
+                    </a:lnL>
+                    <a:lnR>
+                      <a:noFill/>
+                    </a:lnR>
+                    <a:lnT>
+                      <a:noFill/>
+                    </a:lnT>
+                    <a:lnB>
+                      <a:noFill/>
+                    </a:lnB>
+                    <a:noFill/>
+                  </a:tcPr>
+                </a:tc>
+                <a:extLst>
+                  <a:ext uri="{0D108BD9-81ED-4DB2-BD59-A6C34878D82A}">
+                    <a16:rowId xmlns:a16="http://schemas.microsoft.com/office/drawing/2014/main" val="4175332917"/>
+                  </a:ext>
+                </a:extLst>
+              </a:tr>
+            </a:tbl>
+          </a:graphicData>
+        </a:graphic>
+      </p:graphicFrame>
+    </p:spTree>
+    <p:extLst>
+      <p:ext uri="{BB962C8B-B14F-4D97-AF65-F5344CB8AC3E}">
+        <p14:creationId xmlns:p14="http://schemas.microsoft.com/office/powerpoint/2010/main" val="1520766580"/>
+      </p:ext>
+    </p:extLst>
+  </p:cSld>
+  <p:clrMapOvr>
+    <a:masterClrMapping/>
+  </p:clrMapOvr>
+</p:sld>
+</file>
+
+<file path=ppt/slides/slide5.xml><?xml version="1.0" encoding="utf-8"?>
+<p:sld xmlns:a="http://schemas.openxmlformats.org/drawingml/2006/main" xmlns:r="http://schemas.openxmlformats.org/officeDocument/2006/relationships" xmlns:p="http://schemas.openxmlformats.org/presentationml/2006/main">
+  <p:cSld>
+    <p:spTree>
+      <p:nvGrpSpPr>
+        <p:cNvPr id="1" name=""/>
+        <p:cNvGrpSpPr/>
+        <p:nvPr/>
+      </p:nvGrpSpPr>
+      <p:grpSpPr>
+        <a:xfrm>
+          <a:off x="0" y="0"/>
+          <a:ext cx="0" cy="0"/>
+          <a:chOff x="0" y="0"/>
+          <a:chExt cx="0" cy="0"/>
+        </a:xfrm>
+      </p:grpSpPr>
+      <p:sp>
+        <p:nvSpPr>
+          <p:cNvPr id="2" name="제목 1">
+            <a:extLst>
+              <a:ext uri="{FF2B5EF4-FFF2-40B4-BE49-F238E27FC236}">
+                <a16:creationId xmlns:a16="http://schemas.microsoft.com/office/drawing/2014/main" id="{63E48281-6693-CD82-745A-886AB9C8FF12}"/>
+              </a:ext>
+            </a:extLst>
+          </p:cNvPr>
+          <p:cNvSpPr>
+            <a:spLocks noGrp="1"/>
+          </p:cNvSpPr>
+          <p:nvPr>
+            <p:ph type="title"/>
+          </p:nvPr>
+        </p:nvSpPr>
+        <p:spPr/>
+        <p:txBody>
+          <a:bodyPr/>
+          <a:lstStyle/>
+          <a:p>
+            <a:r>
+              <a:rPr lang="ko-KR" altLang="en-US" dirty="0"/>
+              <a:t>첫번째 행성</a:t>
+            </a:r>
+          </a:p>
+        </p:txBody>
+      </p:sp>
+      <p:sp>
+        <p:nvSpPr>
+          <p:cNvPr id="3" name="내용 개체 틀 2">
+            <a:extLst>
+              <a:ext uri="{FF2B5EF4-FFF2-40B4-BE49-F238E27FC236}">
+                <a16:creationId xmlns:a16="http://schemas.microsoft.com/office/drawing/2014/main" id="{F6A4D116-E5E3-CD73-5A22-E245456FCE00}"/>
+              </a:ext>
+            </a:extLst>
+          </p:cNvPr>
+          <p:cNvSpPr>
+            <a:spLocks noGrp="1"/>
+          </p:cNvSpPr>
+          <p:nvPr>
+            <p:ph idx="1"/>
+          </p:nvPr>
+        </p:nvSpPr>
+        <p:spPr/>
+        <p:txBody>
+          <a:bodyPr/>
+          <a:lstStyle/>
+          <a:p>
+            <a:pPr marL="0" indent="0">
+              <a:buNone/>
+            </a:pPr>
+            <a:r>
+              <a:rPr lang="ko-KR" altLang="en-US" dirty="0"/>
+              <a:t>벌레</a:t>
+            </a:r>
+          </a:p>
+        </p:txBody>
+      </p:sp>
+      <p:graphicFrame>
+        <p:nvGraphicFramePr>
+          <p:cNvPr id="4" name="표 3">
+            <a:extLst>
+              <a:ext uri="{FF2B5EF4-FFF2-40B4-BE49-F238E27FC236}">
+                <a16:creationId xmlns:a16="http://schemas.microsoft.com/office/drawing/2014/main" id="{06201C25-872B-C75F-48ED-91ED71D66E7F}"/>
+              </a:ext>
+            </a:extLst>
+          </p:cNvPr>
+          <p:cNvGraphicFramePr>
+            <a:graphicFrameLocks noGrp="1"/>
+          </p:cNvGraphicFramePr>
+          <p:nvPr>
+            <p:extLst>
+              <p:ext uri="{D42A27DB-BD31-4B8C-83A1-F6EECF244321}">
+                <p14:modId xmlns:p14="http://schemas.microsoft.com/office/powerpoint/2010/main" val="3882231"/>
+              </p:ext>
+            </p:extLst>
+          </p:nvPr>
+        </p:nvGraphicFramePr>
+        <p:xfrm>
+          <a:off x="838200" y="2766854"/>
+          <a:ext cx="10515600" cy="2468880"/>
+        </p:xfrm>
+        <a:graphic>
+          <a:graphicData uri="http://schemas.openxmlformats.org/drawingml/2006/table">
+            <a:tbl>
+              <a:tblPr/>
+              <a:tblGrid>
+                <a:gridCol w="3505200">
+                  <a:extLst>
+                    <a:ext uri="{9D8B030D-6E8A-4147-A177-3AD203B41FA5}">
+                      <a16:colId xmlns:a16="http://schemas.microsoft.com/office/drawing/2014/main" val="4180379372"/>
+                    </a:ext>
+                  </a:extLst>
+                </a:gridCol>
+                <a:gridCol w="3505200">
+                  <a:extLst>
+                    <a:ext uri="{9D8B030D-6E8A-4147-A177-3AD203B41FA5}">
+                      <a16:colId xmlns:a16="http://schemas.microsoft.com/office/drawing/2014/main" val="1843866105"/>
+                    </a:ext>
+                  </a:extLst>
+                </a:gridCol>
+                <a:gridCol w="3505200">
+                  <a:extLst>
+                    <a:ext uri="{9D8B030D-6E8A-4147-A177-3AD203B41FA5}">
+                      <a16:colId xmlns:a16="http://schemas.microsoft.com/office/drawing/2014/main" val="4260189377"/>
+                    </a:ext>
+                  </a:extLst>
+                </a:gridCol>
+              </a:tblGrid>
+              <a:tr h="0">
+                <a:tc>
+                  <a:txBody>
+                    <a:bodyPr/>
+                    <a:lstStyle/>
+                    <a:p>
+                      <a:pPr>
+                        <a:buNone/>
+                      </a:pPr>
+                      <a:r>
+                        <a:rPr lang="ko-KR" altLang="en-US"/>
+                        <a:t>퍼즐 요소</a:t>
+                      </a:r>
+                    </a:p>
+                  </a:txBody>
+                  <a:tcPr anchor="ctr">
+                    <a:lnL>
+                      <a:noFill/>
+                    </a:lnL>
+                    <a:lnR>
+                      <a:noFill/>
+                    </a:lnR>
+                    <a:lnT>
+                      <a:noFill/>
+                    </a:lnT>
+                    <a:lnB>
+                      <a:noFill/>
+                    </a:lnB>
+                    <a:noFill/>
+                  </a:tcPr>
+                </a:tc>
+                <a:tc>
+                  <a:txBody>
+                    <a:bodyPr/>
+                    <a:lstStyle/>
+                    <a:p>
+                      <a:pPr>
+                        <a:buNone/>
+                      </a:pPr>
+                      <a:r>
+                        <a:rPr lang="ko-KR" altLang="en-US"/>
+                        <a:t>캐릭터 </a:t>
+                      </a:r>
+                      <a:r>
+                        <a:rPr lang="en-US" altLang="ko-KR"/>
+                        <a:t>1 (</a:t>
+                      </a:r>
+                      <a:r>
+                        <a:rPr lang="ko-KR" altLang="en-US"/>
+                        <a:t>논리적</a:t>
+                      </a:r>
+                      <a:r>
+                        <a:rPr lang="en-US" altLang="ko-KR"/>
+                        <a:t>) </a:t>
+                      </a:r>
+                      <a:r>
+                        <a:rPr lang="ko-KR" altLang="en-US"/>
+                        <a:t>역할</a:t>
+                      </a:r>
+                    </a:p>
+                  </a:txBody>
+                  <a:tcPr anchor="ctr">
+                    <a:lnL>
+                      <a:noFill/>
+                    </a:lnL>
+                    <a:lnR>
+                      <a:noFill/>
+                    </a:lnR>
+                    <a:lnT>
+                      <a:noFill/>
+                    </a:lnT>
+                    <a:lnB>
+                      <a:noFill/>
+                    </a:lnB>
+                    <a:noFill/>
+                  </a:tcPr>
+                </a:tc>
+                <a:tc>
+                  <a:txBody>
+                    <a:bodyPr/>
+                    <a:lstStyle/>
+                    <a:p>
+                      <a:pPr>
+                        <a:buNone/>
+                      </a:pPr>
+                      <a:r>
+                        <a:rPr lang="ko-KR" altLang="en-US"/>
+                        <a:t>캐릭터 </a:t>
+                      </a:r>
+                      <a:r>
+                        <a:rPr lang="en-US" altLang="ko-KR"/>
+                        <a:t>2 (</a:t>
+                      </a:r>
+                      <a:r>
+                        <a:rPr lang="ko-KR" altLang="en-US"/>
+                        <a:t>물리적</a:t>
+                      </a:r>
+                      <a:r>
+                        <a:rPr lang="en-US" altLang="ko-KR"/>
+                        <a:t>) </a:t>
+                      </a:r>
+                      <a:r>
+                        <a:rPr lang="ko-KR" altLang="en-US"/>
+                        <a:t>역할</a:t>
+                      </a:r>
+                    </a:p>
+                  </a:txBody>
+                  <a:tcPr anchor="ctr">
+                    <a:lnL>
+                      <a:noFill/>
+                    </a:lnL>
+                    <a:lnR>
+                      <a:noFill/>
+                    </a:lnR>
+                    <a:lnT>
+                      <a:noFill/>
+                    </a:lnT>
+                    <a:lnB>
+                      <a:noFill/>
+                    </a:lnB>
+                    <a:noFill/>
+                  </a:tcPr>
+                </a:tc>
+                <a:extLst>
+                  <a:ext uri="{0D108BD9-81ED-4DB2-BD59-A6C34878D82A}">
+                    <a16:rowId xmlns:a16="http://schemas.microsoft.com/office/drawing/2014/main" val="2267320122"/>
+                  </a:ext>
+                </a:extLst>
+              </a:tr>
+              <a:tr h="0">
+                <a:tc>
+                  <a:txBody>
+                    <a:bodyPr/>
+                    <a:lstStyle/>
+                    <a:p>
+                      <a:pPr>
+                        <a:buNone/>
+                      </a:pPr>
+                      <a:r>
+                        <a:rPr lang="ko-KR" altLang="en-US"/>
+                        <a:t>폭발물 생성</a:t>
+                      </a:r>
+                    </a:p>
+                  </a:txBody>
+                  <a:tcPr anchor="ctr">
+                    <a:lnL>
+                      <a:noFill/>
+                    </a:lnL>
+                    <a:lnR>
+                      <a:noFill/>
+                    </a:lnR>
+                    <a:lnT>
+                      <a:noFill/>
+                    </a:lnT>
+                    <a:lnB>
+                      <a:noFill/>
+                    </a:lnB>
+                    <a:noFill/>
+                  </a:tcPr>
+                </a:tc>
+                <a:tc>
+                  <a:txBody>
+                    <a:bodyPr/>
+                    <a:lstStyle/>
+                    <a:p>
+                      <a:pPr>
+                        <a:buNone/>
+                      </a:pPr>
+                      <a:r>
+                        <a:rPr lang="ko-KR" altLang="en-US"/>
+                        <a:t>불 </a:t>
+                      </a:r>
+                      <a:r>
+                        <a:rPr lang="en-US" altLang="ko-KR"/>
+                        <a:t>(Fire) </a:t>
+                      </a:r>
+                      <a:r>
+                        <a:rPr lang="ko-KR" altLang="en-US"/>
+                        <a:t>투사</a:t>
+                      </a:r>
+                      <a:r>
+                        <a:rPr lang="en-US" altLang="ko-KR"/>
+                        <a:t>: </a:t>
+                      </a:r>
+                      <a:r>
+                        <a:rPr lang="ko-KR" altLang="en-US"/>
+                        <a:t>특정 지점</a:t>
+                      </a:r>
+                      <a:r>
+                        <a:rPr lang="en-US" altLang="ko-KR"/>
+                        <a:t>/</a:t>
+                      </a:r>
+                      <a:r>
+                        <a:rPr lang="ko-KR" altLang="en-US"/>
+                        <a:t>타이밍에 정확하게 불꽃을 쏴서 꿀을 가열</a:t>
+                      </a:r>
+                      <a:r>
+                        <a:rPr lang="en-US" altLang="ko-KR"/>
+                        <a:t>.</a:t>
+                      </a:r>
+                    </a:p>
+                  </a:txBody>
+                  <a:tcPr anchor="ctr">
+                    <a:lnL>
+                      <a:noFill/>
+                    </a:lnL>
+                    <a:lnR>
+                      <a:noFill/>
+                    </a:lnR>
+                    <a:lnT>
+                      <a:noFill/>
+                    </a:lnT>
+                    <a:lnB>
+                      <a:noFill/>
+                    </a:lnB>
+                    <a:noFill/>
+                  </a:tcPr>
+                </a:tc>
+                <a:tc>
+                  <a:txBody>
+                    <a:bodyPr/>
+                    <a:lstStyle/>
+                    <a:p>
+                      <a:pPr>
+                        <a:buNone/>
+                      </a:pPr>
+                      <a:r>
+                        <a:rPr lang="ko-KR" altLang="en-US"/>
+                        <a:t>꿀 </a:t>
+                      </a:r>
+                      <a:r>
+                        <a:rPr lang="en-US" altLang="ko-KR"/>
+                        <a:t>(Honey) </a:t>
+                      </a:r>
+                      <a:r>
+                        <a:rPr lang="ko-KR" altLang="en-US"/>
+                        <a:t>투사</a:t>
+                      </a:r>
+                      <a:r>
+                        <a:rPr lang="en-US" altLang="ko-KR"/>
+                        <a:t>: </a:t>
+                      </a:r>
+                      <a:r>
+                        <a:rPr lang="ko-KR" altLang="en-US"/>
+                        <a:t>끈적한 꿀을 발판이나 덩어리진 장애물에 쏴서 접착 또는 폭발물 원료 준비</a:t>
+                      </a:r>
+                      <a:r>
+                        <a:rPr lang="en-US" altLang="ko-KR"/>
+                        <a:t>.</a:t>
+                      </a:r>
+                    </a:p>
+                  </a:txBody>
+                  <a:tcPr anchor="ctr">
+                    <a:lnL>
+                      <a:noFill/>
+                    </a:lnL>
+                    <a:lnR>
+                      <a:noFill/>
+                    </a:lnR>
+                    <a:lnT>
+                      <a:noFill/>
+                    </a:lnT>
+                    <a:lnB>
+                      <a:noFill/>
+                    </a:lnB>
+                    <a:noFill/>
+                  </a:tcPr>
+                </a:tc>
+                <a:extLst>
+                  <a:ext uri="{0D108BD9-81ED-4DB2-BD59-A6C34878D82A}">
+                    <a16:rowId xmlns:a16="http://schemas.microsoft.com/office/drawing/2014/main" val="2645559900"/>
+                  </a:ext>
+                </a:extLst>
+              </a:tr>
+              <a:tr h="0">
+                <a:tc>
+                  <a:txBody>
+                    <a:bodyPr/>
+                    <a:lstStyle/>
+                    <a:p>
+                      <a:pPr>
+                        <a:buNone/>
+                      </a:pPr>
+                      <a:r>
+                        <a:rPr lang="ko-KR" altLang="en-US" dirty="0"/>
+                        <a:t>협력 활용</a:t>
+                      </a:r>
+                    </a:p>
+                  </a:txBody>
+                  <a:tcPr anchor="ctr">
+                    <a:lnL>
+                      <a:noFill/>
+                    </a:lnL>
+                    <a:lnR>
+                      <a:noFill/>
+                    </a:lnR>
+                    <a:lnT>
+                      <a:noFill/>
+                    </a:lnT>
+                    <a:lnB>
+                      <a:noFill/>
+                    </a:lnB>
+                    <a:noFill/>
+                  </a:tcPr>
+                </a:tc>
+                <a:tc>
+                  <a:txBody>
+                    <a:bodyPr/>
+                    <a:lstStyle/>
+                    <a:p>
+                      <a:pPr>
+                        <a:buNone/>
+                      </a:pPr>
+                      <a:r>
+                        <a:rPr lang="ko-KR" altLang="en-US"/>
+                        <a:t>꿀이 묻은 지형을 불로 태워서 길을 만들거나</a:t>
+                      </a:r>
+                      <a:r>
+                        <a:rPr lang="en-US" altLang="ko-KR"/>
+                        <a:t>, </a:t>
+                      </a:r>
+                      <a:r>
+                        <a:rPr lang="ko-KR" altLang="en-US"/>
+                        <a:t>꿀을 적에게 쏴서 움직임을 늦춘 뒤 불로 결정타 </a:t>
+                      </a:r>
+                      <a:r>
+                        <a:rPr lang="en-US" altLang="ko-KR"/>
+                        <a:t>(</a:t>
+                      </a:r>
+                      <a:r>
+                        <a:rPr lang="ko-KR" altLang="en-US"/>
+                        <a:t>폭발</a:t>
+                      </a:r>
+                      <a:r>
+                        <a:rPr lang="en-US" altLang="ko-KR"/>
+                        <a:t>)</a:t>
+                      </a:r>
+                      <a:r>
+                        <a:rPr lang="ko-KR" altLang="en-US"/>
+                        <a:t>를 가해야 함</a:t>
+                      </a:r>
+                      <a:r>
+                        <a:rPr lang="en-US" altLang="ko-KR"/>
+                        <a:t>.</a:t>
+                      </a:r>
+                    </a:p>
+                  </a:txBody>
+                  <a:tcPr anchor="ctr">
+                    <a:lnL>
+                      <a:noFill/>
+                    </a:lnL>
+                    <a:lnR>
+                      <a:noFill/>
+                    </a:lnR>
+                    <a:lnT>
+                      <a:noFill/>
+                    </a:lnT>
+                    <a:lnB>
+                      <a:noFill/>
+                    </a:lnB>
+                    <a:noFill/>
+                  </a:tcPr>
+                </a:tc>
+                <a:tc>
+                  <a:txBody>
+                    <a:bodyPr/>
+                    <a:lstStyle/>
+                    <a:p>
+                      <a:pPr>
+                        <a:buNone/>
+                      </a:pPr>
+                      <a:endParaRPr lang="ko-KR" altLang="en-US" dirty="0"/>
+                    </a:p>
+                  </a:txBody>
+                  <a:tcPr anchor="ctr">
+                    <a:lnL>
+                      <a:noFill/>
+                    </a:lnL>
+                    <a:lnR>
+                      <a:noFill/>
+                    </a:lnR>
+                    <a:lnT>
+                      <a:noFill/>
+                    </a:lnT>
+                    <a:lnB>
+                      <a:noFill/>
+                    </a:lnB>
+                    <a:noFill/>
+                  </a:tcPr>
+                </a:tc>
+                <a:extLst>
+                  <a:ext uri="{0D108BD9-81ED-4DB2-BD59-A6C34878D82A}">
+                    <a16:rowId xmlns:a16="http://schemas.microsoft.com/office/drawing/2014/main" val="2756010561"/>
+                  </a:ext>
+                </a:extLst>
+              </a:tr>
+            </a:tbl>
+          </a:graphicData>
+        </a:graphic>
+      </p:graphicFrame>
+    </p:spTree>
+    <p:extLst>
+      <p:ext uri="{BB962C8B-B14F-4D97-AF65-F5344CB8AC3E}">
+        <p14:creationId xmlns:p14="http://schemas.microsoft.com/office/powerpoint/2010/main" val="2202039982"/>
+      </p:ext>
+    </p:extLst>
+  </p:cSld>
+  <p:clrMapOvr>
+    <a:masterClrMapping/>
+  </p:clrMapOvr>
+</p:sld>
+</file>
+
+<file path=ppt/slides/slide6.xml><?xml version="1.0" encoding="utf-8"?>
+<p:sld xmlns:a="http://schemas.openxmlformats.org/drawingml/2006/main" xmlns:r="http://schemas.openxmlformats.org/officeDocument/2006/relationships" xmlns:p="http://schemas.openxmlformats.org/presentationml/2006/main">
+  <p:cSld>
+    <p:spTree>
+      <p:nvGrpSpPr>
+        <p:cNvPr id="1" name=""/>
+        <p:cNvGrpSpPr/>
+        <p:nvPr/>
+      </p:nvGrpSpPr>
+      <p:grpSpPr>
+        <a:xfrm>
+          <a:off x="0" y="0"/>
+          <a:ext cx="0" cy="0"/>
+          <a:chOff x="0" y="0"/>
+          <a:chExt cx="0" cy="0"/>
+        </a:xfrm>
+      </p:grpSpPr>
+      <p:sp>
+        <p:nvSpPr>
+          <p:cNvPr id="2" name="제목 1">
+            <a:extLst>
+              <a:ext uri="{FF2B5EF4-FFF2-40B4-BE49-F238E27FC236}">
+                <a16:creationId xmlns:a16="http://schemas.microsoft.com/office/drawing/2014/main" id="{AE7754F1-9A5E-5E96-0A38-91EFAE479E73}"/>
+              </a:ext>
+            </a:extLst>
+          </p:cNvPr>
+          <p:cNvSpPr>
+            <a:spLocks noGrp="1"/>
+          </p:cNvSpPr>
+          <p:nvPr>
+            <p:ph type="title"/>
+          </p:nvPr>
+        </p:nvSpPr>
+        <p:spPr/>
+        <p:txBody>
+          <a:bodyPr/>
+          <a:lstStyle/>
+          <a:p>
+            <a:r>
+              <a:rPr lang="ko-KR" altLang="en-US" dirty="0"/>
+              <a:t>벌레 행성 영상</a:t>
+            </a:r>
+          </a:p>
+        </p:txBody>
+      </p:sp>
+      <p:pic>
+        <p:nvPicPr>
+          <p:cNvPr id="4" name="온라인 미디어 3" title="[It takes two] 잇 테익스 투 4화 - 말벌 챕터Ⅰ">
+            <a:hlinkClick r:id="" action="ppaction://media"/>
+            <a:extLst>
+              <a:ext uri="{FF2B5EF4-FFF2-40B4-BE49-F238E27FC236}">
+                <a16:creationId xmlns:a16="http://schemas.microsoft.com/office/drawing/2014/main" id="{E5705A18-2903-05EA-4597-A032CD7ABEA0}"/>
+              </a:ext>
+            </a:extLst>
+          </p:cNvPr>
+          <p:cNvPicPr>
+            <a:picLocks noRot="1" noChangeAspect="1"/>
+          </p:cNvPicPr>
+          <p:nvPr>
+            <a:videoFile r:link="rId1"/>
+          </p:nvPr>
+        </p:nvPicPr>
+        <p:blipFill>
+          <a:blip r:embed="rId3"/>
+          <a:stretch>
+            <a:fillRect/>
+          </a:stretch>
+        </p:blipFill>
+        <p:spPr>
+          <a:xfrm>
+            <a:off x="1454366" y="1460542"/>
+            <a:ext cx="9283267" cy="5245058"/>
+          </a:xfrm>
+          <a:prstGeom prst="rect">
+            <a:avLst/>
+          </a:prstGeom>
+        </p:spPr>
+      </p:pic>
+    </p:spTree>
+    <p:extLst>
+      <p:ext uri="{BB962C8B-B14F-4D97-AF65-F5344CB8AC3E}">
+        <p14:creationId xmlns:p14="http://schemas.microsoft.com/office/powerpoint/2010/main" val="1670768181"/>
+      </p:ext>
+    </p:extLst>
+  </p:cSld>
+  <p:clrMapOvr>
+    <a:masterClrMapping/>
+  </p:clrMapOvr>
+  <p:timing>
+    <p:tnLst>
+      <p:par>
+        <p:cTn id="1" dur="indefinite" restart="never" nodeType="tmRoot">
+          <p:childTnLst>
+            <p:seq concurrent="1" nextAc="seek">
+              <p:cTn id="2" dur="indefinite" nodeType="mainSeq">
+                <p:childTnLst>
+                  <p:par>
+                    <p:cTn id="3" fill="hold">
+                      <p:stCondLst>
+                        <p:cond delay="indefinite"/>
+                      </p:stCondLst>
+                      <p:childTnLst>
+                        <p:par>
+                          <p:cTn id="4" fill="hold">
+                            <p:stCondLst>
+                              <p:cond delay="0"/>
+                            </p:stCondLst>
+                            <p:childTnLst>
+                              <p:par>
+                                <p:cTn id="5" presetID="1" presetClass="mediacall" presetSubtype="0" fill="hold" nodeType="clickEffect">
+                                  <p:stCondLst>
+                                    <p:cond delay="0"/>
+                                  </p:stCondLst>
+                                  <p:childTnLst>
+                                    <p:cmd type="call" cmd="playFrom(0.0)">
+                                      <p:cBhvr>
+                                        <p:cTn id="6" dur="1" fill="hold"/>
+                                        <p:tgtEl>
+                                          <p:spTgt spid="4"/>
+                                        </p:tgtEl>
+                                      </p:cBhvr>
+                                    </p:cmd>
+                                  </p:childTnLst>
+                                </p:cTn>
+                              </p:par>
+                            </p:childTnLst>
+                          </p:cTn>
+                        </p:par>
+                      </p:childTnLst>
+                    </p:cTn>
+                  </p:par>
+                </p:childTnLst>
+              </p:cTn>
+              <p:prevCondLst>
+                <p:cond evt="onPrev" delay="0">
+                  <p:tgtEl>
+                    <p:sldTgt/>
+                  </p:tgtEl>
+                </p:cond>
+              </p:prevCondLst>
+              <p:nextCondLst>
+                <p:cond evt="onNext" delay="0">
+                  <p:tgtEl>
+                    <p:sldTgt/>
+                  </p:tgtEl>
+                </p:cond>
+              </p:nextCondLst>
+            </p:seq>
+            <p:video>
+              <p:cMediaNode vol="80000">
+                <p:cTn id="7" fill="hold" display="0">
+                  <p:stCondLst>
+                    <p:cond delay="indefinite"/>
+                  </p:stCondLst>
+                </p:cTn>
+                <p:tgtEl>
+                  <p:spTgt spid="4"/>
+                </p:tgtEl>
+              </p:cMediaNode>
+            </p:video>
+            <p:seq concurrent="1" nextAc="seek">
+              <p:cTn id="8" restart="whenNotActive" fill="hold" evtFilter="cancelBubble" nodeType="interactiveSeq">
+                <p:stCondLst>
+                  <p:cond evt="onClick" delay="0">
+                    <p:tgtEl>
+                      <p:spTgt spid="4"/>
+                    </p:tgtEl>
+                  </p:cond>
+                </p:stCondLst>
+                <p:endSync evt="end" delay="0">
+                  <p:rtn val="all"/>
+                </p:endSync>
+                <p:childTnLst>
+                  <p:par>
+                    <p:cTn id="9" fill="hold">
+                      <p:stCondLst>
+                        <p:cond delay="0"/>
+                      </p:stCondLst>
+                      <p:childTnLst>
+                        <p:par>
+                          <p:cTn id="10" fill="hold">
+                            <p:stCondLst>
+                              <p:cond delay="0"/>
+                            </p:stCondLst>
+                            <p:childTnLst>
+                              <p:par>
+                                <p:cTn id="11" presetID="2" presetClass="mediacall" presetSubtype="0" fill="hold" nodeType="clickEffect">
+                                  <p:stCondLst>
+                                    <p:cond delay="0"/>
+                                  </p:stCondLst>
+                                  <p:childTnLst>
+                                    <p:cmd type="call" cmd="togglePause">
+                                      <p:cBhvr>
+                                        <p:cTn id="12" dur="1" fill="hold"/>
+                                        <p:tgtEl>
+                                          <p:spTgt spid="4"/>
+                                        </p:tgtEl>
+                                      </p:cBhvr>
+                                    </p:cmd>
+                                  </p:childTnLst>
+                                </p:cTn>
+                              </p:par>
+                            </p:childTnLst>
+                          </p:cTn>
+                        </p:par>
+                      </p:childTnLst>
+                    </p:cTn>
+                  </p:par>
+                </p:childTnLst>
+              </p:cTn>
+              <p:nextCondLst>
+                <p:cond evt="onClick" delay="0">
+                  <p:tgtEl>
+                    <p:spTgt spid="4"/>
+                  </p:tgtEl>
+                </p:cond>
+              </p:nextCondLst>
+            </p:seq>
+          </p:childTnLst>
+        </p:cTn>
+      </p:par>
+    </p:tnLst>
+  </p:timing>
+</p:sld>
+</file>
+
+<file path=ppt/slides/slide7.xml><?xml version="1.0" encoding="utf-8"?>
+<p:sld xmlns:a="http://schemas.openxmlformats.org/drawingml/2006/main" xmlns:r="http://schemas.openxmlformats.org/officeDocument/2006/relationships" xmlns:p="http://schemas.openxmlformats.org/presentationml/2006/main">
+  <p:cSld>
+    <p:spTree>
+      <p:nvGrpSpPr>
+        <p:cNvPr id="1" name=""/>
+        <p:cNvGrpSpPr/>
+        <p:nvPr/>
+      </p:nvGrpSpPr>
+      <p:grpSpPr>
+        <a:xfrm>
+          <a:off x="0" y="0"/>
+          <a:ext cx="0" cy="0"/>
+          <a:chOff x="0" y="0"/>
+          <a:chExt cx="0" cy="0"/>
+        </a:xfrm>
+      </p:grpSpPr>
+      <p:sp>
+        <p:nvSpPr>
+          <p:cNvPr id="2" name="제목 1">
+            <a:extLst>
+              <a:ext uri="{FF2B5EF4-FFF2-40B4-BE49-F238E27FC236}">
+                <a16:creationId xmlns:a16="http://schemas.microsoft.com/office/drawing/2014/main" id="{5584520A-A477-5184-CB6B-09BD1F00F086}"/>
+              </a:ext>
+            </a:extLst>
+          </p:cNvPr>
+          <p:cNvSpPr>
+            <a:spLocks noGrp="1"/>
+          </p:cNvSpPr>
+          <p:nvPr>
+            <p:ph type="title"/>
+          </p:nvPr>
+        </p:nvSpPr>
+        <p:spPr/>
+        <p:txBody>
+          <a:bodyPr/>
+          <a:lstStyle/>
+          <a:p>
+            <a:r>
+              <a:rPr lang="ko-KR" altLang="en-US" dirty="0"/>
+              <a:t>두번째 행성</a:t>
+            </a:r>
+          </a:p>
+        </p:txBody>
+      </p:sp>
+      <p:graphicFrame>
+        <p:nvGraphicFramePr>
+          <p:cNvPr id="4" name="내용 개체 틀 3">
+            <a:extLst>
+              <a:ext uri="{FF2B5EF4-FFF2-40B4-BE49-F238E27FC236}">
+                <a16:creationId xmlns:a16="http://schemas.microsoft.com/office/drawing/2014/main" id="{A06FC7B2-4389-67D8-1345-5412E41BC023}"/>
+              </a:ext>
+            </a:extLst>
+          </p:cNvPr>
+          <p:cNvGraphicFramePr>
+            <a:graphicFrameLocks noGrp="1"/>
+          </p:cNvGraphicFramePr>
+          <p:nvPr>
+            <p:ph idx="1"/>
+          </p:nvPr>
+        </p:nvGraphicFramePr>
+        <p:xfrm>
+          <a:off x="838200" y="2766854"/>
+          <a:ext cx="10515600" cy="2468880"/>
+        </p:xfrm>
+        <a:graphic>
+          <a:graphicData uri="http://schemas.openxmlformats.org/drawingml/2006/table">
+            <a:tbl>
+              <a:tblPr/>
+              <a:tblGrid>
+                <a:gridCol w="3505200">
+                  <a:extLst>
+                    <a:ext uri="{9D8B030D-6E8A-4147-A177-3AD203B41FA5}">
+                      <a16:colId xmlns:a16="http://schemas.microsoft.com/office/drawing/2014/main" val="233613949"/>
+                    </a:ext>
+                  </a:extLst>
+                </a:gridCol>
+                <a:gridCol w="3505200">
+                  <a:extLst>
+                    <a:ext uri="{9D8B030D-6E8A-4147-A177-3AD203B41FA5}">
+                      <a16:colId xmlns:a16="http://schemas.microsoft.com/office/drawing/2014/main" val="1244782473"/>
+                    </a:ext>
+                  </a:extLst>
+                </a:gridCol>
+                <a:gridCol w="3505200">
+                  <a:extLst>
+                    <a:ext uri="{9D8B030D-6E8A-4147-A177-3AD203B41FA5}">
+                      <a16:colId xmlns:a16="http://schemas.microsoft.com/office/drawing/2014/main" val="3591309346"/>
+                    </a:ext>
+                  </a:extLst>
+                </a:gridCol>
+              </a:tblGrid>
+              <a:tr h="0">
+                <a:tc>
+                  <a:txBody>
+                    <a:bodyPr/>
+                    <a:lstStyle/>
+                    <a:p>
+                      <a:pPr>
+                        <a:buNone/>
+                      </a:pPr>
+                      <a:r>
+                        <a:rPr lang="ko-KR" altLang="en-US"/>
+                        <a:t>퍼즐 요소</a:t>
+                      </a:r>
+                    </a:p>
+                  </a:txBody>
+                  <a:tcPr anchor="ctr">
+                    <a:lnL>
+                      <a:noFill/>
+                    </a:lnL>
+                    <a:lnR>
+                      <a:noFill/>
+                    </a:lnR>
+                    <a:lnT>
+                      <a:noFill/>
+                    </a:lnT>
+                    <a:lnB>
+                      <a:noFill/>
+                    </a:lnB>
+                    <a:noFill/>
+                  </a:tcPr>
+                </a:tc>
+                <a:tc>
+                  <a:txBody>
+                    <a:bodyPr/>
+                    <a:lstStyle/>
+                    <a:p>
+                      <a:pPr>
+                        <a:buNone/>
+                      </a:pPr>
+                      <a:r>
+                        <a:rPr lang="ko-KR" altLang="en-US"/>
+                        <a:t>캐릭터 </a:t>
+                      </a:r>
+                      <a:r>
+                        <a:rPr lang="en-US" altLang="ko-KR"/>
+                        <a:t>1 (</a:t>
+                      </a:r>
+                      <a:r>
+                        <a:rPr lang="ko-KR" altLang="en-US"/>
+                        <a:t>논리적</a:t>
+                      </a:r>
+                      <a:r>
+                        <a:rPr lang="en-US" altLang="ko-KR"/>
+                        <a:t>) </a:t>
+                      </a:r>
+                      <a:r>
+                        <a:rPr lang="ko-KR" altLang="en-US"/>
+                        <a:t>역할</a:t>
+                      </a:r>
+                    </a:p>
+                  </a:txBody>
+                  <a:tcPr anchor="ctr">
+                    <a:lnL>
+                      <a:noFill/>
+                    </a:lnL>
+                    <a:lnR>
+                      <a:noFill/>
+                    </a:lnR>
+                    <a:lnT>
+                      <a:noFill/>
+                    </a:lnT>
+                    <a:lnB>
+                      <a:noFill/>
+                    </a:lnB>
+                    <a:noFill/>
+                  </a:tcPr>
+                </a:tc>
+                <a:tc>
+                  <a:txBody>
+                    <a:bodyPr/>
+                    <a:lstStyle/>
+                    <a:p>
+                      <a:pPr>
+                        <a:buNone/>
+                      </a:pPr>
+                      <a:r>
+                        <a:rPr lang="ko-KR" altLang="en-US"/>
+                        <a:t>캐릭터 </a:t>
+                      </a:r>
+                      <a:r>
+                        <a:rPr lang="en-US" altLang="ko-KR"/>
+                        <a:t>2 (</a:t>
+                      </a:r>
+                      <a:r>
+                        <a:rPr lang="ko-KR" altLang="en-US"/>
+                        <a:t>물리적</a:t>
+                      </a:r>
+                      <a:r>
+                        <a:rPr lang="en-US" altLang="ko-KR"/>
+                        <a:t>) </a:t>
+                      </a:r>
+                      <a:r>
+                        <a:rPr lang="ko-KR" altLang="en-US"/>
+                        <a:t>역할</a:t>
+                      </a:r>
+                    </a:p>
+                  </a:txBody>
+                  <a:tcPr anchor="ctr">
+                    <a:lnL>
+                      <a:noFill/>
+                    </a:lnL>
+                    <a:lnR>
+                      <a:noFill/>
+                    </a:lnR>
+                    <a:lnT>
+                      <a:noFill/>
+                    </a:lnT>
+                    <a:lnB>
+                      <a:noFill/>
+                    </a:lnB>
+                    <a:noFill/>
+                  </a:tcPr>
+                </a:tc>
+                <a:extLst>
+                  <a:ext uri="{0D108BD9-81ED-4DB2-BD59-A6C34878D82A}">
+                    <a16:rowId xmlns:a16="http://schemas.microsoft.com/office/drawing/2014/main" val="3823371906"/>
+                  </a:ext>
+                </a:extLst>
+              </a:tr>
+              <a:tr h="0">
+                <a:tc>
+                  <a:txBody>
+                    <a:bodyPr/>
+                    <a:lstStyle/>
+                    <a:p>
+                      <a:pPr>
+                        <a:buNone/>
+                      </a:pPr>
+                      <a:r>
+                        <a:rPr lang="ko-KR" altLang="en-US"/>
+                        <a:t>보드 이동</a:t>
+                      </a:r>
+                    </a:p>
+                  </a:txBody>
+                  <a:tcPr anchor="ctr">
+                    <a:lnL>
+                      <a:noFill/>
+                    </a:lnL>
+                    <a:lnR>
+                      <a:noFill/>
+                    </a:lnR>
+                    <a:lnT>
+                      <a:noFill/>
+                    </a:lnT>
+                    <a:lnB>
+                      <a:noFill/>
+                    </a:lnB>
+                    <a:noFill/>
+                  </a:tcPr>
+                </a:tc>
+                <a:tc>
+                  <a:txBody>
+                    <a:bodyPr/>
+                    <a:lstStyle/>
+                    <a:p>
+                      <a:pPr>
+                        <a:buNone/>
+                      </a:pPr>
+                      <a:r>
+                        <a:rPr lang="ko-KR" altLang="en-US"/>
+                        <a:t>방향 전환</a:t>
+                      </a:r>
+                      <a:r>
+                        <a:rPr lang="en-US" altLang="ko-KR"/>
+                        <a:t>/</a:t>
+                      </a:r>
+                      <a:r>
+                        <a:rPr lang="ko-KR" altLang="en-US"/>
+                        <a:t>속도 제어</a:t>
+                      </a:r>
+                      <a:r>
+                        <a:rPr lang="en-US" altLang="ko-KR"/>
+                        <a:t>: </a:t>
+                      </a:r>
+                      <a:r>
+                        <a:rPr lang="ko-KR" altLang="en-US"/>
+                        <a:t>보드 위의 장치를 조작해 속도를 높이거나</a:t>
+                      </a:r>
+                      <a:r>
+                        <a:rPr lang="en-US" altLang="ko-KR"/>
+                        <a:t>, </a:t>
+                      </a:r>
+                      <a:r>
+                        <a:rPr lang="ko-KR" altLang="en-US"/>
+                        <a:t>특수 게이트를 열어 이동 경로를 변경</a:t>
+                      </a:r>
+                      <a:r>
+                        <a:rPr lang="en-US" altLang="ko-KR"/>
+                        <a:t>.</a:t>
+                      </a:r>
+                    </a:p>
+                  </a:txBody>
+                  <a:tcPr anchor="ctr">
+                    <a:lnL>
+                      <a:noFill/>
+                    </a:lnL>
+                    <a:lnR>
+                      <a:noFill/>
+                    </a:lnR>
+                    <a:lnT>
+                      <a:noFill/>
+                    </a:lnT>
+                    <a:lnB>
+                      <a:noFill/>
+                    </a:lnB>
+                    <a:noFill/>
+                  </a:tcPr>
+                </a:tc>
+                <a:tc>
+                  <a:txBody>
+                    <a:bodyPr/>
+                    <a:lstStyle/>
+                    <a:p>
+                      <a:pPr>
+                        <a:buNone/>
+                      </a:pPr>
+                      <a:r>
+                        <a:rPr lang="ko-KR" altLang="en-US"/>
+                        <a:t>추진력</a:t>
+                      </a:r>
+                      <a:r>
+                        <a:rPr lang="en-US" altLang="ko-KR"/>
+                        <a:t>/</a:t>
+                      </a:r>
+                      <a:r>
+                        <a:rPr lang="ko-KR" altLang="en-US"/>
+                        <a:t>균형</a:t>
+                      </a:r>
+                      <a:r>
+                        <a:rPr lang="en-US" altLang="ko-KR"/>
+                        <a:t>: </a:t>
+                      </a:r>
+                      <a:r>
+                        <a:rPr lang="ko-KR" altLang="en-US"/>
+                        <a:t>대쉬 또는 엉덩방아로 보드에 순간적인 추진력을 주거나 장애물을 부숨</a:t>
+                      </a:r>
+                      <a:r>
+                        <a:rPr lang="en-US" altLang="ko-KR"/>
+                        <a:t>.</a:t>
+                      </a:r>
+                    </a:p>
+                  </a:txBody>
+                  <a:tcPr anchor="ctr">
+                    <a:lnL>
+                      <a:noFill/>
+                    </a:lnL>
+                    <a:lnR>
+                      <a:noFill/>
+                    </a:lnR>
+                    <a:lnT>
+                      <a:noFill/>
+                    </a:lnT>
+                    <a:lnB>
+                      <a:noFill/>
+                    </a:lnB>
+                    <a:noFill/>
+                  </a:tcPr>
+                </a:tc>
+                <a:extLst>
+                  <a:ext uri="{0D108BD9-81ED-4DB2-BD59-A6C34878D82A}">
+                    <a16:rowId xmlns:a16="http://schemas.microsoft.com/office/drawing/2014/main" val="1070251760"/>
+                  </a:ext>
+                </a:extLst>
+              </a:tr>
+              <a:tr h="0">
+                <a:tc>
+                  <a:txBody>
+                    <a:bodyPr/>
+                    <a:lstStyle/>
+                    <a:p>
+                      <a:pPr>
+                        <a:buNone/>
+                      </a:pPr>
+                      <a:r>
+                        <a:rPr lang="ko-KR" altLang="en-US"/>
+                        <a:t>눈사람 괴물</a:t>
+                      </a:r>
+                    </a:p>
+                  </a:txBody>
+                  <a:tcPr anchor="ctr">
+                    <a:lnL>
+                      <a:noFill/>
+                    </a:lnL>
+                    <a:lnR>
+                      <a:noFill/>
+                    </a:lnR>
+                    <a:lnT>
+                      <a:noFill/>
+                    </a:lnT>
+                    <a:lnB>
+                      <a:noFill/>
+                    </a:lnB>
+                    <a:noFill/>
+                  </a:tcPr>
+                </a:tc>
+                <a:tc>
+                  <a:txBody>
+                    <a:bodyPr/>
+                    <a:lstStyle/>
+                    <a:p>
+                      <a:pPr>
+                        <a:buNone/>
+                      </a:pPr>
+                      <a:r>
+                        <a:rPr lang="ko-KR" altLang="en-US"/>
+                        <a:t>약점 노출</a:t>
+                      </a:r>
+                      <a:r>
+                        <a:rPr lang="en-US" altLang="ko-KR"/>
+                        <a:t>: </a:t>
+                      </a:r>
+                      <a:r>
+                        <a:rPr lang="ko-KR" altLang="en-US"/>
+                        <a:t>눈사람의 눈이나 코</a:t>
+                      </a:r>
+                      <a:r>
+                        <a:rPr lang="en-US" altLang="ko-KR"/>
+                        <a:t>(</a:t>
+                      </a:r>
+                      <a:r>
+                        <a:rPr lang="ko-KR" altLang="en-US"/>
+                        <a:t>약점</a:t>
+                      </a:r>
+                      <a:r>
+                        <a:rPr lang="en-US" altLang="ko-KR"/>
+                        <a:t>)</a:t>
+                      </a:r>
+                      <a:r>
+                        <a:rPr lang="ko-KR" altLang="en-US"/>
+                        <a:t>를 레이저로 조준</a:t>
+                      </a:r>
+                      <a:r>
+                        <a:rPr lang="en-US" altLang="ko-KR"/>
+                        <a:t>/</a:t>
+                      </a:r>
+                      <a:r>
+                        <a:rPr lang="ko-KR" altLang="en-US"/>
+                        <a:t>고정시켜 움직임을 멈춤</a:t>
+                      </a:r>
+                      <a:r>
+                        <a:rPr lang="en-US" altLang="ko-KR"/>
+                        <a:t>.</a:t>
+                      </a:r>
+                    </a:p>
+                  </a:txBody>
+                  <a:tcPr anchor="ctr">
+                    <a:lnL>
+                      <a:noFill/>
+                    </a:lnL>
+                    <a:lnR>
+                      <a:noFill/>
+                    </a:lnR>
+                    <a:lnT>
+                      <a:noFill/>
+                    </a:lnT>
+                    <a:lnB>
+                      <a:noFill/>
+                    </a:lnB>
+                    <a:noFill/>
+                  </a:tcPr>
+                </a:tc>
+                <a:tc>
+                  <a:txBody>
+                    <a:bodyPr/>
+                    <a:lstStyle/>
+                    <a:p>
+                      <a:pPr>
+                        <a:buNone/>
+                      </a:pPr>
+                      <a:r>
+                        <a:rPr lang="ko-KR" altLang="en-US" dirty="0"/>
+                        <a:t>눈싸움 투척</a:t>
+                      </a:r>
+                      <a:r>
+                        <a:rPr lang="en-US" altLang="ko-KR" dirty="0"/>
+                        <a:t>: </a:t>
+                      </a:r>
+                      <a:r>
+                        <a:rPr lang="ko-KR" altLang="en-US" dirty="0"/>
+                        <a:t>약점 부위가 고정되었을 때</a:t>
+                      </a:r>
+                      <a:r>
+                        <a:rPr lang="en-US" altLang="ko-KR" dirty="0"/>
+                        <a:t>, </a:t>
+                      </a:r>
+                      <a:r>
+                        <a:rPr lang="ko-KR" altLang="en-US" dirty="0"/>
+                        <a:t>주변 눈덩이를 주워 던져서 괴물을 파괴</a:t>
+                      </a:r>
+                      <a:r>
+                        <a:rPr lang="en-US" altLang="ko-KR" dirty="0"/>
+                        <a:t>.</a:t>
+                      </a:r>
+                    </a:p>
+                  </a:txBody>
+                  <a:tcPr anchor="ctr">
+                    <a:lnL>
+                      <a:noFill/>
+                    </a:lnL>
+                    <a:lnR>
+                      <a:noFill/>
+                    </a:lnR>
+                    <a:lnT>
+                      <a:noFill/>
+                    </a:lnT>
+                    <a:lnB>
+                      <a:noFill/>
+                    </a:lnB>
+                    <a:noFill/>
+                  </a:tcPr>
+                </a:tc>
+                <a:extLst>
+                  <a:ext uri="{0D108BD9-81ED-4DB2-BD59-A6C34878D82A}">
+                    <a16:rowId xmlns:a16="http://schemas.microsoft.com/office/drawing/2014/main" val="3598718170"/>
+                  </a:ext>
+                </a:extLst>
+              </a:tr>
+            </a:tbl>
+          </a:graphicData>
+        </a:graphic>
+      </p:graphicFrame>
+      <p:sp>
+        <p:nvSpPr>
+          <p:cNvPr id="5" name="Rectangle 1">
+            <a:extLst>
+              <a:ext uri="{FF2B5EF4-FFF2-40B4-BE49-F238E27FC236}">
+                <a16:creationId xmlns:a16="http://schemas.microsoft.com/office/drawing/2014/main" id="{D530D80E-02F0-093D-65FF-8E6036E0EF08}"/>
+              </a:ext>
+            </a:extLst>
+          </p:cNvPr>
+          <p:cNvSpPr>
+            <a:spLocks noChangeArrowheads="1"/>
+          </p:cNvSpPr>
+          <p:nvPr/>
+        </p:nvSpPr>
+        <p:spPr bwMode="auto">
+          <a:xfrm>
+            <a:off x="0" y="0"/>
+            <a:ext cx="12192000" cy="457200"/>
+          </a:xfrm>
+          <a:prstGeom prst="rect">
+            <a:avLst/>
+          </a:prstGeom>
+          <a:noFill/>
+          <a:ln>
+            <a:noFill/>
+          </a:ln>
+          <a:effectLst/>
+          <a:extLst>
+            <a:ext uri="{909E8E84-426E-40DD-AFC4-6F175D3DCCD1}">
+              <a14:hiddenFill xmlns:a14="http://schemas.microsoft.com/office/drawing/2010/main">
+                <a:solidFill>
+                  <a:schemeClr val="accent1"/>
+                </a:solidFill>
+              </a14:hiddenFill>
+            </a:ext>
+            <a:ext uri="{91240B29-F687-4F45-9708-019B960494DF}">
+              <a14:hiddenLine xmlns:a14="http://schemas.microsoft.com/office/drawing/2010/main" w="9525">
+                <a:solidFill>
+                  <a:schemeClr val="tx1"/>
+                </a:solidFill>
+                <a:miter lim="800000"/>
+                <a:headEnd/>
+                <a:tailEnd/>
+              </a14:hiddenLine>
+            </a:ext>
+            <a:ext uri="{AF507438-7753-43E0-B8FC-AC1667EBCBE1}">
+              <a14:hiddenEffects xmlns:a14="http://schemas.microsoft.com/office/drawing/2010/main">
+                <a:effectLst>
+                  <a:outerShdw dist="35921" dir="2700000" algn="ctr" rotWithShape="0">
+                    <a:schemeClr val="bg2"/>
+                  </a:outerShdw>
+                </a:effectLst>
+              </a14:hiddenEffects>
+            </a:ext>
+          </a:extLst>
+        </p:spPr>
+        <p:txBody>
+          <a:bodyPr vert="horz" wrap="none" lIns="91440" tIns="45720" rIns="91440" bIns="45720" numCol="1" anchor="ctr" anchorCtr="0" compatLnSpc="1">
+            <a:prstTxWarp prst="textNoShape">
+              <a:avLst/>
+            </a:prstTxWarp>
+            <a:spAutoFit/>
+          </a:bodyPr>
+          <a:lstStyle/>
+          <a:p>
+            <a:pPr marL="0" marR="0" lvl="0" indent="0" algn="l" defTabSz="914400" rtl="0" eaLnBrk="0" fontAlgn="base" latinLnBrk="0" hangingPunct="0">
+              <a:lnSpc>
+                <a:spcPct val="100000"/>
+              </a:lnSpc>
+              <a:spcBef>
+                <a:spcPct val="0"/>
+              </a:spcBef>
+              <a:spcAft>
+                <a:spcPct val="0"/>
+              </a:spcAft>
+              <a:buClrTx/>
+              <a:buSzTx/>
+              <a:buFontTx/>
+              <a:buNone/>
+              <a:tabLst/>
+            </a:pPr>
+            <a:r>
+              <a:rPr kumimoji="0" lang="ko-KR" altLang="ko-KR" sz="1800" b="0" i="0" u="none" strike="noStrike" cap="none" normalizeH="0" baseline="0">
+                <a:ln>
+                  <a:noFill/>
+                </a:ln>
+                <a:solidFill>
+                  <a:schemeClr val="tx1"/>
+                </a:solidFill>
+                <a:effectLst/>
+                <a:latin typeface="Arial" panose="020B0604020202020204" pitchFamily="34" charset="0"/>
+              </a:rPr>
+              <a:t>❄️ 겨울 (물)</a:t>
+            </a:r>
+          </a:p>
+        </p:txBody>
+      </p:sp>
+    </p:spTree>
+    <p:extLst>
+      <p:ext uri="{BB962C8B-B14F-4D97-AF65-F5344CB8AC3E}">
+        <p14:creationId xmlns:p14="http://schemas.microsoft.com/office/powerpoint/2010/main" val="2439543826"/>
+      </p:ext>
+    </p:extLst>
+  </p:cSld>
+  <p:clrMapOvr>
+    <a:masterClrMapping/>
+  </p:clrMapOvr>
+</p:sld>
+</file>
+
+<file path=ppt/slides/slide8.xml><?xml version="1.0" encoding="utf-8"?>
+<p:sld xmlns:a="http://schemas.openxmlformats.org/drawingml/2006/main" xmlns:r="http://schemas.openxmlformats.org/officeDocument/2006/relationships" xmlns:p="http://schemas.openxmlformats.org/presentationml/2006/main">
+  <p:cSld>
+    <p:spTree>
+      <p:nvGrpSpPr>
+        <p:cNvPr id="1" name=""/>
+        <p:cNvGrpSpPr/>
+        <p:nvPr/>
+      </p:nvGrpSpPr>
+      <p:grpSpPr>
+        <a:xfrm>
+          <a:off x="0" y="0"/>
+          <a:ext cx="0" cy="0"/>
+          <a:chOff x="0" y="0"/>
+          <a:chExt cx="0" cy="0"/>
+        </a:xfrm>
+      </p:grpSpPr>
+      <p:sp>
+        <p:nvSpPr>
+          <p:cNvPr id="2" name="제목 1">
+            <a:extLst>
+              <a:ext uri="{FF2B5EF4-FFF2-40B4-BE49-F238E27FC236}">
+                <a16:creationId xmlns:a16="http://schemas.microsoft.com/office/drawing/2014/main" id="{58223FC9-A9D6-0393-2242-FD09FEF21347}"/>
+              </a:ext>
+            </a:extLst>
+          </p:cNvPr>
+          <p:cNvSpPr>
+            <a:spLocks noGrp="1"/>
+          </p:cNvSpPr>
+          <p:nvPr>
+            <p:ph type="title"/>
+          </p:nvPr>
+        </p:nvSpPr>
+        <p:spPr/>
+        <p:txBody>
+          <a:bodyPr/>
+          <a:lstStyle/>
+          <a:p>
+            <a:r>
+              <a:rPr lang="ko-KR" altLang="en-US" dirty="0"/>
+              <a:t>겨울</a:t>
+            </a:r>
+          </a:p>
+        </p:txBody>
+      </p:sp>
+      <p:pic>
+        <p:nvPicPr>
+          <p:cNvPr id="4" name="온라인 미디어 3" title="[It takes two] 눈싸움">
+            <a:hlinkClick r:id="" action="ppaction://media"/>
+            <a:extLst>
+              <a:ext uri="{FF2B5EF4-FFF2-40B4-BE49-F238E27FC236}">
+                <a16:creationId xmlns:a16="http://schemas.microsoft.com/office/drawing/2014/main" id="{A826220C-2BEA-0218-0E98-371A3E610077}"/>
+              </a:ext>
+            </a:extLst>
+          </p:cNvPr>
+          <p:cNvPicPr>
+            <a:picLocks noRot="1" noChangeAspect="1"/>
+          </p:cNvPicPr>
+          <p:nvPr>
+            <a:videoFile r:link="rId1"/>
+          </p:nvPr>
+        </p:nvPicPr>
+        <p:blipFill>
+          <a:blip r:embed="rId3"/>
+          <a:stretch>
+            <a:fillRect/>
+          </a:stretch>
+        </p:blipFill>
+        <p:spPr>
+          <a:xfrm>
+            <a:off x="1710676" y="1537447"/>
+            <a:ext cx="8770648" cy="4955428"/>
+          </a:xfrm>
+          <a:prstGeom prst="rect">
+            <a:avLst/>
+          </a:prstGeom>
+        </p:spPr>
+      </p:pic>
+    </p:spTree>
+    <p:extLst>
+      <p:ext uri="{BB962C8B-B14F-4D97-AF65-F5344CB8AC3E}">
+        <p14:creationId xmlns:p14="http://schemas.microsoft.com/office/powerpoint/2010/main" val="1399642119"/>
+      </p:ext>
+    </p:extLst>
+  </p:cSld>
+  <p:clrMapOvr>
+    <a:masterClrMapping/>
+  </p:clrMapOvr>
+  <p:timing>
+    <p:tnLst>
+      <p:par>
+        <p:cTn id="1" dur="indefinite" restart="never" nodeType="tmRoot">
+          <p:childTnLst>
+            <p:seq concurrent="1" nextAc="seek">
+              <p:cTn id="2" dur="indefinite" nodeType="mainSeq">
+                <p:childTnLst>
+                  <p:par>
+                    <p:cTn id="3" fill="hold">
+                      <p:stCondLst>
+                        <p:cond delay="indefinite"/>
+                      </p:stCondLst>
+                      <p:childTnLst>
+                        <p:par>
+                          <p:cTn id="4" fill="hold">
+                            <p:stCondLst>
+                              <p:cond delay="0"/>
+                            </p:stCondLst>
+                            <p:childTnLst>
+                              <p:par>
+                                <p:cTn id="5" presetID="1" presetClass="mediacall" presetSubtype="0" fill="hold" nodeType="clickEffect">
+                                  <p:stCondLst>
+                                    <p:cond delay="0"/>
+                                  </p:stCondLst>
+                                  <p:childTnLst>
+                                    <p:cmd type="call" cmd="playFrom(0.0)">
+                                      <p:cBhvr>
+                                        <p:cTn id="6" dur="1" fill="hold"/>
+                                        <p:tgtEl>
+                                          <p:spTgt spid="4"/>
+                                        </p:tgtEl>
+                                      </p:cBhvr>
+                                    </p:cmd>
+                                  </p:childTnLst>
+                                </p:cTn>
+                              </p:par>
+                            </p:childTnLst>
+                          </p:cTn>
+                        </p:par>
+                      </p:childTnLst>
+                    </p:cTn>
+                  </p:par>
+                </p:childTnLst>
+              </p:cTn>
+              <p:prevCondLst>
+                <p:cond evt="onPrev" delay="0">
+                  <p:tgtEl>
+                    <p:sldTgt/>
+                  </p:tgtEl>
+                </p:cond>
+              </p:prevCondLst>
+              <p:nextCondLst>
+                <p:cond evt="onNext" delay="0">
+                  <p:tgtEl>
+                    <p:sldTgt/>
+                  </p:tgtEl>
+                </p:cond>
+              </p:nextCondLst>
+            </p:seq>
+            <p:video>
+              <p:cMediaNode vol="80000">
+                <p:cTn id="7" fill="hold" display="0">
+                  <p:stCondLst>
+                    <p:cond delay="indefinite"/>
+                  </p:stCondLst>
+                </p:cTn>
+                <p:tgtEl>
+                  <p:spTgt spid="4"/>
+                </p:tgtEl>
+              </p:cMediaNode>
+            </p:video>
+            <p:seq concurrent="1" nextAc="seek">
+              <p:cTn id="8" restart="whenNotActive" fill="hold" evtFilter="cancelBubble" nodeType="interactiveSeq">
+                <p:stCondLst>
+                  <p:cond evt="onClick" delay="0">
+                    <p:tgtEl>
+                      <p:spTgt spid="4"/>
+                    </p:tgtEl>
+                  </p:cond>
+                </p:stCondLst>
+                <p:endSync evt="end" delay="0">
+                  <p:rtn val="all"/>
+                </p:endSync>
+                <p:childTnLst>
+                  <p:par>
+                    <p:cTn id="9" fill="hold">
+                      <p:stCondLst>
+                        <p:cond delay="0"/>
+                      </p:stCondLst>
+                      <p:childTnLst>
+                        <p:par>
+                          <p:cTn id="10" fill="hold">
+                            <p:stCondLst>
+                              <p:cond delay="0"/>
+                            </p:stCondLst>
+                            <p:childTnLst>
+                              <p:par>
+                                <p:cTn id="11" presetID="2" presetClass="mediacall" presetSubtype="0" fill="hold" nodeType="clickEffect">
+                                  <p:stCondLst>
+                                    <p:cond delay="0"/>
+                                  </p:stCondLst>
+                                  <p:childTnLst>
+                                    <p:cmd type="call" cmd="togglePause">
+                                      <p:cBhvr>
+                                        <p:cTn id="12" dur="1" fill="hold"/>
+                                        <p:tgtEl>
+                                          <p:spTgt spid="4"/>
+                                        </p:tgtEl>
+                                      </p:cBhvr>
+                                    </p:cmd>
+                                  </p:childTnLst>
+                                </p:cTn>
+                              </p:par>
+                            </p:childTnLst>
+                          </p:cTn>
+                        </p:par>
+                      </p:childTnLst>
+                    </p:cTn>
+                  </p:par>
+                </p:childTnLst>
+              </p:cTn>
+              <p:nextCondLst>
+                <p:cond evt="onClick" delay="0">
+                  <p:tgtEl>
+                    <p:spTgt spid="4"/>
+                  </p:tgtEl>
+                </p:cond>
+              </p:nextCondLst>
+            </p:seq>
+          </p:childTnLst>
+        </p:cTn>
+      </p:par>
+    </p:tnLst>
+  </p:timing>
+</p:sld>
+</file>
+
+<file path=ppt/slides/slide9.xml><?xml version="1.0" encoding="utf-8"?>
+<p:sld xmlns:a="http://schemas.openxmlformats.org/drawingml/2006/main" xmlns:r="http://schemas.openxmlformats.org/officeDocument/2006/relationships" xmlns:p="http://schemas.openxmlformats.org/presentationml/2006/main">
+  <p:cSld>
+    <p:spTree>
+      <p:nvGrpSpPr>
+        <p:cNvPr id="1" name=""/>
+        <p:cNvGrpSpPr/>
+        <p:nvPr/>
+      </p:nvGrpSpPr>
+      <p:grpSpPr>
+        <a:xfrm>
+          <a:off x="0" y="0"/>
+          <a:ext cx="0" cy="0"/>
+          <a:chOff x="0" y="0"/>
+          <a:chExt cx="0" cy="0"/>
+        </a:xfrm>
+      </p:grpSpPr>
+      <p:sp>
+        <p:nvSpPr>
+          <p:cNvPr id="2" name="제목 1">
+            <a:extLst>
+              <a:ext uri="{FF2B5EF4-FFF2-40B4-BE49-F238E27FC236}">
+                <a16:creationId xmlns:a16="http://schemas.microsoft.com/office/drawing/2014/main" id="{313199F7-C578-6357-D08E-5CEFA6956D3B}"/>
+              </a:ext>
+            </a:extLst>
+          </p:cNvPr>
+          <p:cNvSpPr>
+            <a:spLocks noGrp="1"/>
+          </p:cNvSpPr>
+          <p:nvPr>
+            <p:ph type="title"/>
+          </p:nvPr>
+        </p:nvSpPr>
+        <p:spPr/>
+        <p:txBody>
+          <a:bodyPr/>
+          <a:lstStyle/>
+          <a:p>
+            <a:r>
+              <a:rPr lang="ko-KR" altLang="en-US" dirty="0"/>
+              <a:t>세번째 행성</a:t>
+            </a:r>
+          </a:p>
+        </p:txBody>
+      </p:sp>
+      <p:graphicFrame>
+        <p:nvGraphicFramePr>
+          <p:cNvPr id="4" name="내용 개체 틀 3">
+            <a:extLst>
+              <a:ext uri="{FF2B5EF4-FFF2-40B4-BE49-F238E27FC236}">
+                <a16:creationId xmlns:a16="http://schemas.microsoft.com/office/drawing/2014/main" id="{DFD17DC9-4C9E-7BDD-B33C-E2E5F8722DBA}"/>
+              </a:ext>
+            </a:extLst>
+          </p:cNvPr>
+          <p:cNvGraphicFramePr>
+            <a:graphicFrameLocks noGrp="1"/>
+          </p:cNvGraphicFramePr>
+          <p:nvPr>
+            <p:ph idx="1"/>
+          </p:nvPr>
+        </p:nvGraphicFramePr>
+        <p:xfrm>
+          <a:off x="838200" y="2629694"/>
+          <a:ext cx="10515600" cy="2743200"/>
+        </p:xfrm>
+        <a:graphic>
+          <a:graphicData uri="http://schemas.openxmlformats.org/drawingml/2006/table">
+            <a:tbl>
+              <a:tblPr/>
+              <a:tblGrid>
+                <a:gridCol w="3505200">
+                  <a:extLst>
+                    <a:ext uri="{9D8B030D-6E8A-4147-A177-3AD203B41FA5}">
+                      <a16:colId xmlns:a16="http://schemas.microsoft.com/office/drawing/2014/main" val="252650619"/>
+                    </a:ext>
+                  </a:extLst>
+                </a:gridCol>
+                <a:gridCol w="3505200">
+                  <a:extLst>
+                    <a:ext uri="{9D8B030D-6E8A-4147-A177-3AD203B41FA5}">
+                      <a16:colId xmlns:a16="http://schemas.microsoft.com/office/drawing/2014/main" val="2206758851"/>
+                    </a:ext>
+                  </a:extLst>
+                </a:gridCol>
+                <a:gridCol w="3505200">
+                  <a:extLst>
+                    <a:ext uri="{9D8B030D-6E8A-4147-A177-3AD203B41FA5}">
+                      <a16:colId xmlns:a16="http://schemas.microsoft.com/office/drawing/2014/main" val="1517336499"/>
+                    </a:ext>
+                  </a:extLst>
+                </a:gridCol>
+              </a:tblGrid>
+              <a:tr h="0">
+                <a:tc>
+                  <a:txBody>
+                    <a:bodyPr/>
+                    <a:lstStyle/>
+                    <a:p>
+                      <a:pPr>
+                        <a:buNone/>
+                      </a:pPr>
+                      <a:r>
+                        <a:rPr lang="ko-KR" altLang="en-US"/>
+                        <a:t>퍼즐 요소</a:t>
+                      </a:r>
+                    </a:p>
+                  </a:txBody>
+                  <a:tcPr anchor="ctr">
+                    <a:lnL>
+                      <a:noFill/>
+                    </a:lnL>
+                    <a:lnR>
+                      <a:noFill/>
+                    </a:lnR>
+                    <a:lnT>
+                      <a:noFill/>
+                    </a:lnT>
+                    <a:lnB>
+                      <a:noFill/>
+                    </a:lnB>
+                    <a:noFill/>
+                  </a:tcPr>
+                </a:tc>
+                <a:tc>
+                  <a:txBody>
+                    <a:bodyPr/>
+                    <a:lstStyle/>
+                    <a:p>
+                      <a:pPr>
+                        <a:buNone/>
+                      </a:pPr>
+                      <a:r>
+                        <a:rPr lang="ko-KR" altLang="en-US"/>
+                        <a:t>캐릭터 </a:t>
+                      </a:r>
+                      <a:r>
+                        <a:rPr lang="en-US" altLang="ko-KR"/>
+                        <a:t>1 (</a:t>
+                      </a:r>
+                      <a:r>
+                        <a:rPr lang="ko-KR" altLang="en-US"/>
+                        <a:t>논리적</a:t>
+                      </a:r>
+                      <a:r>
+                        <a:rPr lang="en-US" altLang="ko-KR"/>
+                        <a:t>) </a:t>
+                      </a:r>
+                      <a:r>
+                        <a:rPr lang="ko-KR" altLang="en-US"/>
+                        <a:t>역할</a:t>
+                      </a:r>
+                    </a:p>
+                  </a:txBody>
+                  <a:tcPr anchor="ctr">
+                    <a:lnL>
+                      <a:noFill/>
+                    </a:lnL>
+                    <a:lnR>
+                      <a:noFill/>
+                    </a:lnR>
+                    <a:lnT>
+                      <a:noFill/>
+                    </a:lnT>
+                    <a:lnB>
+                      <a:noFill/>
+                    </a:lnB>
+                    <a:noFill/>
+                  </a:tcPr>
+                </a:tc>
+                <a:tc>
+                  <a:txBody>
+                    <a:bodyPr/>
+                    <a:lstStyle/>
+                    <a:p>
+                      <a:pPr>
+                        <a:buNone/>
+                      </a:pPr>
+                      <a:r>
+                        <a:rPr lang="ko-KR" altLang="en-US"/>
+                        <a:t>캐릭터 </a:t>
+                      </a:r>
+                      <a:r>
+                        <a:rPr lang="en-US" altLang="ko-KR"/>
+                        <a:t>2 (</a:t>
+                      </a:r>
+                      <a:r>
+                        <a:rPr lang="ko-KR" altLang="en-US"/>
+                        <a:t>물리적</a:t>
+                      </a:r>
+                      <a:r>
+                        <a:rPr lang="en-US" altLang="ko-KR"/>
+                        <a:t>) </a:t>
+                      </a:r>
+                      <a:r>
+                        <a:rPr lang="ko-KR" altLang="en-US"/>
+                        <a:t>역할</a:t>
+                      </a:r>
+                    </a:p>
+                  </a:txBody>
+                  <a:tcPr anchor="ctr">
+                    <a:lnL>
+                      <a:noFill/>
+                    </a:lnL>
+                    <a:lnR>
+                      <a:noFill/>
+                    </a:lnR>
+                    <a:lnT>
+                      <a:noFill/>
+                    </a:lnT>
+                    <a:lnB>
+                      <a:noFill/>
+                    </a:lnB>
+                    <a:noFill/>
+                  </a:tcPr>
+                </a:tc>
+                <a:extLst>
+                  <a:ext uri="{0D108BD9-81ED-4DB2-BD59-A6C34878D82A}">
+                    <a16:rowId xmlns:a16="http://schemas.microsoft.com/office/drawing/2014/main" val="1114371890"/>
+                  </a:ext>
+                </a:extLst>
+              </a:tr>
+              <a:tr h="0">
+                <a:tc>
+                  <a:txBody>
+                    <a:bodyPr/>
+                    <a:lstStyle/>
+                    <a:p>
+                      <a:pPr>
+                        <a:buNone/>
+                      </a:pPr>
+                      <a:r>
+                        <a:rPr lang="ko-KR" altLang="en-US"/>
+                        <a:t>오토바이 레이싱</a:t>
+                      </a:r>
+                    </a:p>
+                  </a:txBody>
+                  <a:tcPr anchor="ctr">
+                    <a:lnL>
+                      <a:noFill/>
+                    </a:lnL>
+                    <a:lnR>
+                      <a:noFill/>
+                    </a:lnR>
+                    <a:lnT>
+                      <a:noFill/>
+                    </a:lnT>
+                    <a:lnB>
+                      <a:noFill/>
+                    </a:lnB>
+                    <a:noFill/>
+                  </a:tcPr>
+                </a:tc>
+                <a:tc>
+                  <a:txBody>
+                    <a:bodyPr/>
+                    <a:lstStyle/>
+                    <a:p>
+                      <a:pPr>
+                        <a:buNone/>
+                      </a:pPr>
+                      <a:r>
+                        <a:rPr lang="ko-KR" altLang="en-US"/>
+                        <a:t>캡챠 해독</a:t>
+                      </a:r>
+                      <a:r>
+                        <a:rPr lang="en-US" altLang="ko-KR"/>
+                        <a:t>: </a:t>
+                      </a:r>
+                      <a:r>
+                        <a:rPr lang="ko-KR" altLang="en-US"/>
+                        <a:t>레이스 중 팝업되는 캡챠 </a:t>
+                      </a:r>
+                      <a:r>
+                        <a:rPr lang="en-US" altLang="ko-KR"/>
+                        <a:t>(</a:t>
+                      </a:r>
+                      <a:r>
+                        <a:rPr lang="ko-KR" altLang="en-US"/>
+                        <a:t>혹은 미니 해킹 퍼즐</a:t>
+                      </a:r>
+                      <a:r>
+                        <a:rPr lang="en-US" altLang="ko-KR"/>
+                        <a:t>)</a:t>
+                      </a:r>
+                      <a:r>
+                        <a:rPr lang="ko-KR" altLang="en-US"/>
+                        <a:t>를 빠르게 입력</a:t>
+                      </a:r>
+                      <a:r>
+                        <a:rPr lang="en-US" altLang="ko-KR"/>
+                        <a:t>/</a:t>
+                      </a:r>
+                      <a:r>
+                        <a:rPr lang="ko-KR" altLang="en-US"/>
+                        <a:t>해결해야 레이싱 경로가 열림</a:t>
+                      </a:r>
+                      <a:r>
+                        <a:rPr lang="en-US" altLang="ko-KR"/>
+                        <a:t>.</a:t>
+                      </a:r>
+                    </a:p>
+                  </a:txBody>
+                  <a:tcPr anchor="ctr">
+                    <a:lnL>
+                      <a:noFill/>
+                    </a:lnL>
+                    <a:lnR>
+                      <a:noFill/>
+                    </a:lnR>
+                    <a:lnT>
+                      <a:noFill/>
+                    </a:lnT>
+                    <a:lnB>
+                      <a:noFill/>
+                    </a:lnB>
+                    <a:noFill/>
+                  </a:tcPr>
+                </a:tc>
+                <a:tc>
+                  <a:txBody>
+                    <a:bodyPr/>
+                    <a:lstStyle/>
+                    <a:p>
+                      <a:pPr>
+                        <a:buNone/>
+                      </a:pPr>
+                      <a:r>
+                        <a:rPr lang="ko-KR" altLang="en-US"/>
+                        <a:t>오토바이 조종 </a:t>
+                      </a:r>
+                      <a:r>
+                        <a:rPr lang="en-US" altLang="ko-KR"/>
+                        <a:t>&amp; </a:t>
+                      </a:r>
+                      <a:r>
+                        <a:rPr lang="ko-KR" altLang="en-US"/>
+                        <a:t>화면 흔들림 대처</a:t>
+                      </a:r>
+                      <a:r>
+                        <a:rPr lang="en-US" altLang="ko-KR"/>
+                        <a:t>: </a:t>
+                      </a:r>
+                      <a:r>
+                        <a:rPr lang="ko-KR" altLang="en-US"/>
+                        <a:t>흔들리는 화면에서 운전대를 잡고 중심을 유지 </a:t>
+                      </a:r>
+                      <a:r>
+                        <a:rPr lang="en-US" altLang="ko-KR"/>
+                        <a:t>(</a:t>
+                      </a:r>
+                      <a:r>
+                        <a:rPr lang="ko-KR" altLang="en-US"/>
+                        <a:t>컨트롤</a:t>
+                      </a:r>
+                      <a:r>
+                        <a:rPr lang="en-US" altLang="ko-KR"/>
+                        <a:t>/</a:t>
+                      </a:r>
+                      <a:r>
+                        <a:rPr lang="ko-KR" altLang="en-US"/>
+                        <a:t>타이밍</a:t>
+                      </a:r>
+                      <a:r>
+                        <a:rPr lang="en-US" altLang="ko-KR"/>
+                        <a:t>), </a:t>
+                      </a:r>
+                      <a:r>
+                        <a:rPr lang="ko-KR" altLang="en-US"/>
+                        <a:t>장애물 회피</a:t>
+                      </a:r>
+                      <a:r>
+                        <a:rPr lang="en-US" altLang="ko-KR"/>
+                        <a:t>.</a:t>
+                      </a:r>
+                    </a:p>
+                  </a:txBody>
+                  <a:tcPr anchor="ctr">
+                    <a:lnL>
+                      <a:noFill/>
+                    </a:lnL>
+                    <a:lnR>
+                      <a:noFill/>
+                    </a:lnR>
+                    <a:lnT>
+                      <a:noFill/>
+                    </a:lnT>
+                    <a:lnB>
+                      <a:noFill/>
+                    </a:lnB>
+                    <a:noFill/>
+                  </a:tcPr>
+                </a:tc>
+                <a:extLst>
+                  <a:ext uri="{0D108BD9-81ED-4DB2-BD59-A6C34878D82A}">
+                    <a16:rowId xmlns:a16="http://schemas.microsoft.com/office/drawing/2014/main" val="3670285528"/>
+                  </a:ext>
+                </a:extLst>
+              </a:tr>
+              <a:tr h="0">
+                <a:tc>
+                  <a:txBody>
+                    <a:bodyPr/>
+                    <a:lstStyle/>
+                    <a:p>
+                      <a:pPr>
+                        <a:buNone/>
+                      </a:pPr>
+                      <a:r>
+                        <a:rPr lang="ko-KR" altLang="en-US"/>
+                        <a:t>폭탄 해체</a:t>
+                      </a:r>
+                    </a:p>
+                  </a:txBody>
+                  <a:tcPr anchor="ctr">
+                    <a:lnL>
+                      <a:noFill/>
+                    </a:lnL>
+                    <a:lnR>
+                      <a:noFill/>
+                    </a:lnR>
+                    <a:lnT>
+                      <a:noFill/>
+                    </a:lnT>
+                    <a:lnB>
+                      <a:noFill/>
+                    </a:lnB>
+                    <a:noFill/>
+                  </a:tcPr>
+                </a:tc>
+                <a:tc>
+                  <a:txBody>
+                    <a:bodyPr/>
+                    <a:lstStyle/>
+                    <a:p>
+                      <a:pPr>
+                        <a:buNone/>
+                      </a:pPr>
+                      <a:r>
+                        <a:rPr lang="ko-KR" altLang="en-US"/>
+                        <a:t>해체 로직</a:t>
+                      </a:r>
+                      <a:r>
+                        <a:rPr lang="en-US" altLang="ko-KR"/>
+                        <a:t>: </a:t>
+                      </a:r>
+                      <a:r>
+                        <a:rPr lang="ko-KR" altLang="en-US"/>
+                        <a:t>폭탄의 복잡한 회로를 분석하고 순서대로 스위치 조작</a:t>
+                      </a:r>
+                      <a:r>
+                        <a:rPr lang="en-US" altLang="ko-KR"/>
+                        <a:t>.</a:t>
+                      </a:r>
+                    </a:p>
+                  </a:txBody>
+                  <a:tcPr anchor="ctr">
+                    <a:lnL>
+                      <a:noFill/>
+                    </a:lnL>
+                    <a:lnR>
+                      <a:noFill/>
+                    </a:lnR>
+                    <a:lnT>
+                      <a:noFill/>
+                    </a:lnT>
+                    <a:lnB>
+                      <a:noFill/>
+                    </a:lnB>
+                    <a:noFill/>
+                  </a:tcPr>
+                </a:tc>
+                <a:tc>
+                  <a:txBody>
+                    <a:bodyPr/>
+                    <a:lstStyle/>
+                    <a:p>
+                      <a:pPr>
+                        <a:buNone/>
+                      </a:pPr>
+                      <a:r>
+                        <a:rPr lang="ko-KR" altLang="en-US" dirty="0"/>
+                        <a:t>안정화</a:t>
+                      </a:r>
+                      <a:r>
+                        <a:rPr lang="en-US" altLang="ko-KR" dirty="0"/>
+                        <a:t>/</a:t>
+                      </a:r>
+                      <a:r>
+                        <a:rPr lang="ko-KR" altLang="en-US" dirty="0"/>
+                        <a:t>시간 벌기</a:t>
+                      </a:r>
+                      <a:r>
+                        <a:rPr lang="en-US" altLang="ko-KR" dirty="0"/>
+                        <a:t>: </a:t>
+                      </a:r>
+                      <a:r>
+                        <a:rPr lang="ko-KR" altLang="en-US" dirty="0"/>
+                        <a:t>폭탄 해체 중 다가오는 적들을 몸으로 막아내거나</a:t>
+                      </a:r>
+                      <a:r>
+                        <a:rPr lang="en-US" altLang="ko-KR" dirty="0"/>
+                        <a:t>, </a:t>
+                      </a:r>
+                      <a:r>
+                        <a:rPr lang="ko-KR" altLang="en-US" dirty="0"/>
+                        <a:t>폭탄의 흔들림을 억제 </a:t>
+                      </a:r>
+                      <a:r>
+                        <a:rPr lang="en-US" altLang="ko-KR" dirty="0"/>
+                        <a:t>(</a:t>
+                      </a:r>
+                      <a:r>
+                        <a:rPr lang="ko-KR" altLang="en-US" dirty="0"/>
+                        <a:t>엉덩방아 활용</a:t>
+                      </a:r>
+                      <a:r>
+                        <a:rPr lang="en-US" altLang="ko-KR" dirty="0"/>
+                        <a:t>).</a:t>
+                      </a:r>
+                    </a:p>
+                  </a:txBody>
+                  <a:tcPr anchor="ctr">
+                    <a:lnL>
+                      <a:noFill/>
+                    </a:lnL>
+                    <a:lnR>
+                      <a:noFill/>
+                    </a:lnR>
+                    <a:lnT>
+                      <a:noFill/>
+                    </a:lnT>
+                    <a:lnB>
+                      <a:noFill/>
+                    </a:lnB>
+                    <a:noFill/>
+                  </a:tcPr>
+                </a:tc>
+                <a:extLst>
+                  <a:ext uri="{0D108BD9-81ED-4DB2-BD59-A6C34878D82A}">
+                    <a16:rowId xmlns:a16="http://schemas.microsoft.com/office/drawing/2014/main" val="2333577595"/>
+                  </a:ext>
+                </a:extLst>
+              </a:tr>
+            </a:tbl>
+          </a:graphicData>
+        </a:graphic>
+      </p:graphicFrame>
+      <p:sp>
+        <p:nvSpPr>
+          <p:cNvPr id="5" name="Rectangle 1">
+            <a:extLst>
+              <a:ext uri="{FF2B5EF4-FFF2-40B4-BE49-F238E27FC236}">
+                <a16:creationId xmlns:a16="http://schemas.microsoft.com/office/drawing/2014/main" id="{D69EC879-3961-B4D7-8869-5F183A046A9C}"/>
+              </a:ext>
+            </a:extLst>
+          </p:cNvPr>
+          <p:cNvSpPr>
+            <a:spLocks noChangeArrowheads="1"/>
+          </p:cNvSpPr>
+          <p:nvPr/>
+        </p:nvSpPr>
+        <p:spPr bwMode="auto">
+          <a:xfrm>
+            <a:off x="0" y="0"/>
+            <a:ext cx="12192000" cy="457200"/>
+          </a:xfrm>
+          <a:prstGeom prst="rect">
+            <a:avLst/>
+          </a:prstGeom>
+          <a:noFill/>
+          <a:ln>
+            <a:noFill/>
+          </a:ln>
+          <a:effectLst/>
+          <a:extLst>
+            <a:ext uri="{909E8E84-426E-40DD-AFC4-6F175D3DCCD1}">
+              <a14:hiddenFill xmlns:a14="http://schemas.microsoft.com/office/drawing/2010/main">
+                <a:solidFill>
+                  <a:schemeClr val="accent1"/>
+                </a:solidFill>
+              </a14:hiddenFill>
+            </a:ext>
+            <a:ext uri="{91240B29-F687-4F45-9708-019B960494DF}">
+              <a14:hiddenLine xmlns:a14="http://schemas.microsoft.com/office/drawing/2010/main" w="9525">
+                <a:solidFill>
+                  <a:schemeClr val="tx1"/>
+                </a:solidFill>
+                <a:miter lim="800000"/>
+                <a:headEnd/>
+                <a:tailEnd/>
+              </a14:hiddenLine>
+            </a:ext>
+            <a:ext uri="{AF507438-7753-43E0-B8FC-AC1667EBCBE1}">
+              <a14:hiddenEffects xmlns:a14="http://schemas.microsoft.com/office/drawing/2010/main">
+                <a:effectLst>
+                  <a:outerShdw dist="35921" dir="2700000" algn="ctr" rotWithShape="0">
+                    <a:schemeClr val="bg2"/>
+                  </a:outerShdw>
+                </a:effectLst>
+              </a14:hiddenEffects>
+            </a:ext>
+          </a:extLst>
+        </p:spPr>
+        <p:txBody>
+          <a:bodyPr vert="horz" wrap="none" lIns="91440" tIns="45720" rIns="91440" bIns="45720" numCol="1" anchor="ctr" anchorCtr="0" compatLnSpc="1">
+            <a:prstTxWarp prst="textNoShape">
+              <a:avLst/>
+            </a:prstTxWarp>
+            <a:spAutoFit/>
+          </a:bodyPr>
+          <a:lstStyle/>
+          <a:p>
+            <a:pPr marL="0" marR="0" lvl="0" indent="0" algn="l" defTabSz="914400" rtl="0" eaLnBrk="0" fontAlgn="base" latinLnBrk="0" hangingPunct="0">
+              <a:lnSpc>
+                <a:spcPct val="100000"/>
+              </a:lnSpc>
+              <a:spcBef>
+                <a:spcPct val="0"/>
+              </a:spcBef>
+              <a:spcAft>
+                <a:spcPct val="0"/>
+              </a:spcAft>
+              <a:buClrTx/>
+              <a:buSzTx/>
+              <a:buFontTx/>
+              <a:buNone/>
+              <a:tabLst/>
+            </a:pPr>
+            <a:r>
+              <a:rPr kumimoji="0" lang="ko-KR" altLang="ko-KR" sz="1800" b="0" i="0" u="none" strike="noStrike" cap="none" normalizeH="0" baseline="0">
+                <a:ln>
+                  <a:noFill/>
+                </a:ln>
+                <a:solidFill>
+                  <a:schemeClr val="tx1"/>
+                </a:solidFill>
+                <a:effectLst/>
+                <a:latin typeface="Arial" panose="020B0604020202020204" pitchFamily="34" charset="0"/>
+              </a:rPr>
+              <a:t>🌃 사이버펑크</a:t>
+            </a:r>
+          </a:p>
+        </p:txBody>
+      </p:sp>
+    </p:spTree>
+    <p:extLst>
+      <p:ext uri="{BB962C8B-B14F-4D97-AF65-F5344CB8AC3E}">
+        <p14:creationId xmlns:p14="http://schemas.microsoft.com/office/powerpoint/2010/main" val="1566099483"/>
       </p:ext>
     </p:extLst>
   </p:cSld>
